--- a/alexa/Präsentation.pptx
+++ b/alexa/Präsentation.pptx
@@ -7,8 +7,9 @@
   <p:sldIdLst>
     <p:sldId id="256" r:id="rId2"/>
     <p:sldId id="257" r:id="rId3"/>
-    <p:sldId id="258" r:id="rId4"/>
-    <p:sldId id="259" r:id="rId5"/>
+    <p:sldId id="259" r:id="rId4"/>
+    <p:sldId id="258" r:id="rId5"/>
+    <p:sldId id="261" r:id="rId6"/>
   </p:sldIdLst>
   <p:sldSz cx="12192000" cy="6858000"/>
   <p:notesSz cx="6858000" cy="9144000"/>
@@ -107,6 +108,11 @@
       </a:defRPr>
     </a:lvl9pPr>
   </p:defaultTextStyle>
+  <p:extLst>
+    <p:ext uri="{EFAFB233-063F-42B5-8137-9DF3F51BA10A}">
+      <p15:sldGuideLst xmlns:p15="http://schemas.microsoft.com/office/powerpoint/2012/main"/>
+    </p:ext>
+  </p:extLst>
 </p:presentation>
 </file>
 
@@ -152,10 +158,9 @@
           </a:lstStyle>
           <a:p>
             <a:r>
-              <a:rPr lang="de-DE" smtClean="0"/>
+              <a:rPr lang="de-DE"/>
               <a:t>Mastertitelformat bearbeiten</a:t>
             </a:r>
-            <a:endParaRPr lang="de-DE"/>
           </a:p>
         </p:txBody>
       </p:sp>
@@ -217,10 +222,9 @@
           </a:lstStyle>
           <a:p>
             <a:r>
-              <a:rPr lang="de-DE" smtClean="0"/>
+              <a:rPr lang="de-DE"/>
               <a:t>Master-Untertitelformat bearbeiten</a:t>
             </a:r>
-            <a:endParaRPr lang="de-DE"/>
           </a:p>
         </p:txBody>
       </p:sp>
@@ -241,7 +245,7 @@
           <a:p>
             <a:fld id="{B9062820-9B14-CD46-A65C-A096A5BCD7D2}" type="datetimeFigureOut">
               <a:rPr lang="de-DE" smtClean="0"/>
-              <a:t>05.03.17</a:t>
+              <a:t>05.03.2017</a:t>
             </a:fld>
             <a:endParaRPr lang="de-DE"/>
           </a:p>
@@ -335,10 +339,9 @@
           <a:lstStyle/>
           <a:p>
             <a:r>
-              <a:rPr lang="de-DE" smtClean="0"/>
+              <a:rPr lang="de-DE"/>
               <a:t>Mastertitelformat bearbeiten</a:t>
             </a:r>
-            <a:endParaRPr lang="de-DE"/>
           </a:p>
         </p:txBody>
       </p:sp>
@@ -359,38 +362,37 @@
           <a:p>
             <a:pPr lvl="0"/>
             <a:r>
-              <a:rPr lang="de-DE" smtClean="0"/>
+              <a:rPr lang="de-DE"/>
               <a:t>Mastertextformat bearbeiten</a:t>
             </a:r>
           </a:p>
           <a:p>
             <a:pPr lvl="1"/>
             <a:r>
-              <a:rPr lang="de-DE" smtClean="0"/>
+              <a:rPr lang="de-DE"/>
               <a:t>Zweite Ebene</a:t>
             </a:r>
           </a:p>
           <a:p>
             <a:pPr lvl="2"/>
             <a:r>
-              <a:rPr lang="de-DE" smtClean="0"/>
+              <a:rPr lang="de-DE"/>
               <a:t>Dritte Ebene</a:t>
             </a:r>
           </a:p>
           <a:p>
             <a:pPr lvl="3"/>
             <a:r>
-              <a:rPr lang="de-DE" smtClean="0"/>
+              <a:rPr lang="de-DE"/>
               <a:t>Vierte Ebene</a:t>
             </a:r>
           </a:p>
           <a:p>
             <a:pPr lvl="4"/>
             <a:r>
-              <a:rPr lang="de-DE" smtClean="0"/>
+              <a:rPr lang="de-DE"/>
               <a:t>Fünfte Ebene</a:t>
             </a:r>
-            <a:endParaRPr lang="de-DE"/>
           </a:p>
         </p:txBody>
       </p:sp>
@@ -411,7 +413,7 @@
           <a:p>
             <a:fld id="{B9062820-9B14-CD46-A65C-A096A5BCD7D2}" type="datetimeFigureOut">
               <a:rPr lang="de-DE" smtClean="0"/>
-              <a:t>05.03.17</a:t>
+              <a:t>05.03.2017</a:t>
             </a:fld>
             <a:endParaRPr lang="de-DE"/>
           </a:p>
@@ -510,10 +512,9 @@
           <a:lstStyle/>
           <a:p>
             <a:r>
-              <a:rPr lang="de-DE" smtClean="0"/>
+              <a:rPr lang="de-DE"/>
               <a:t>Mastertitelformat bearbeiten</a:t>
             </a:r>
-            <a:endParaRPr lang="de-DE"/>
           </a:p>
         </p:txBody>
       </p:sp>
@@ -539,38 +540,37 @@
           <a:p>
             <a:pPr lvl="0"/>
             <a:r>
-              <a:rPr lang="de-DE" smtClean="0"/>
+              <a:rPr lang="de-DE"/>
               <a:t>Mastertextformat bearbeiten</a:t>
             </a:r>
           </a:p>
           <a:p>
             <a:pPr lvl="1"/>
             <a:r>
-              <a:rPr lang="de-DE" smtClean="0"/>
+              <a:rPr lang="de-DE"/>
               <a:t>Zweite Ebene</a:t>
             </a:r>
           </a:p>
           <a:p>
             <a:pPr lvl="2"/>
             <a:r>
-              <a:rPr lang="de-DE" smtClean="0"/>
+              <a:rPr lang="de-DE"/>
               <a:t>Dritte Ebene</a:t>
             </a:r>
           </a:p>
           <a:p>
             <a:pPr lvl="3"/>
             <a:r>
-              <a:rPr lang="de-DE" smtClean="0"/>
+              <a:rPr lang="de-DE"/>
               <a:t>Vierte Ebene</a:t>
             </a:r>
           </a:p>
           <a:p>
             <a:pPr lvl="4"/>
             <a:r>
-              <a:rPr lang="de-DE" smtClean="0"/>
+              <a:rPr lang="de-DE"/>
               <a:t>Fünfte Ebene</a:t>
             </a:r>
-            <a:endParaRPr lang="de-DE"/>
           </a:p>
         </p:txBody>
       </p:sp>
@@ -591,7 +591,7 @@
           <a:p>
             <a:fld id="{B9062820-9B14-CD46-A65C-A096A5BCD7D2}" type="datetimeFigureOut">
               <a:rPr lang="de-DE" smtClean="0"/>
-              <a:t>05.03.17</a:t>
+              <a:t>05.03.2017</a:t>
             </a:fld>
             <a:endParaRPr lang="de-DE"/>
           </a:p>
@@ -685,10 +685,9 @@
           <a:lstStyle/>
           <a:p>
             <a:r>
-              <a:rPr lang="de-DE" smtClean="0"/>
+              <a:rPr lang="de-DE"/>
               <a:t>Mastertitelformat bearbeiten</a:t>
             </a:r>
-            <a:endParaRPr lang="de-DE"/>
           </a:p>
         </p:txBody>
       </p:sp>
@@ -709,38 +708,37 @@
           <a:p>
             <a:pPr lvl="0"/>
             <a:r>
-              <a:rPr lang="de-DE" smtClean="0"/>
+              <a:rPr lang="de-DE"/>
               <a:t>Mastertextformat bearbeiten</a:t>
             </a:r>
           </a:p>
           <a:p>
             <a:pPr lvl="1"/>
             <a:r>
-              <a:rPr lang="de-DE" smtClean="0"/>
+              <a:rPr lang="de-DE"/>
               <a:t>Zweite Ebene</a:t>
             </a:r>
           </a:p>
           <a:p>
             <a:pPr lvl="2"/>
             <a:r>
-              <a:rPr lang="de-DE" smtClean="0"/>
+              <a:rPr lang="de-DE"/>
               <a:t>Dritte Ebene</a:t>
             </a:r>
           </a:p>
           <a:p>
             <a:pPr lvl="3"/>
             <a:r>
-              <a:rPr lang="de-DE" smtClean="0"/>
+              <a:rPr lang="de-DE"/>
               <a:t>Vierte Ebene</a:t>
             </a:r>
           </a:p>
           <a:p>
             <a:pPr lvl="4"/>
             <a:r>
-              <a:rPr lang="de-DE" smtClean="0"/>
+              <a:rPr lang="de-DE"/>
               <a:t>Fünfte Ebene</a:t>
             </a:r>
-            <a:endParaRPr lang="de-DE"/>
           </a:p>
         </p:txBody>
       </p:sp>
@@ -761,7 +759,7 @@
           <a:p>
             <a:fld id="{B9062820-9B14-CD46-A65C-A096A5BCD7D2}" type="datetimeFigureOut">
               <a:rPr lang="de-DE" smtClean="0"/>
-              <a:t>05.03.17</a:t>
+              <a:t>05.03.2017</a:t>
             </a:fld>
             <a:endParaRPr lang="de-DE"/>
           </a:p>
@@ -864,10 +862,9 @@
           </a:lstStyle>
           <a:p>
             <a:r>
-              <a:rPr lang="de-DE" smtClean="0"/>
+              <a:rPr lang="de-DE"/>
               <a:t>Mastertitelformat bearbeiten</a:t>
             </a:r>
-            <a:endParaRPr lang="de-DE"/>
           </a:p>
         </p:txBody>
       </p:sp>
@@ -984,7 +981,7 @@
           <a:p>
             <a:pPr lvl="0"/>
             <a:r>
-              <a:rPr lang="de-DE" smtClean="0"/>
+              <a:rPr lang="de-DE"/>
               <a:t>Mastertextformat bearbeiten</a:t>
             </a:r>
           </a:p>
@@ -1007,7 +1004,7 @@
           <a:p>
             <a:fld id="{B9062820-9B14-CD46-A65C-A096A5BCD7D2}" type="datetimeFigureOut">
               <a:rPr lang="de-DE" smtClean="0"/>
-              <a:t>05.03.17</a:t>
+              <a:t>05.03.2017</a:t>
             </a:fld>
             <a:endParaRPr lang="de-DE"/>
           </a:p>
@@ -1101,10 +1098,9 @@
           <a:lstStyle/>
           <a:p>
             <a:r>
-              <a:rPr lang="de-DE" smtClean="0"/>
+              <a:rPr lang="de-DE"/>
               <a:t>Mastertitelformat bearbeiten</a:t>
             </a:r>
-            <a:endParaRPr lang="de-DE"/>
           </a:p>
         </p:txBody>
       </p:sp>
@@ -1130,38 +1126,37 @@
           <a:p>
             <a:pPr lvl="0"/>
             <a:r>
-              <a:rPr lang="de-DE" smtClean="0"/>
+              <a:rPr lang="de-DE"/>
               <a:t>Mastertextformat bearbeiten</a:t>
             </a:r>
           </a:p>
           <a:p>
             <a:pPr lvl="1"/>
             <a:r>
-              <a:rPr lang="de-DE" smtClean="0"/>
+              <a:rPr lang="de-DE"/>
               <a:t>Zweite Ebene</a:t>
             </a:r>
           </a:p>
           <a:p>
             <a:pPr lvl="2"/>
             <a:r>
-              <a:rPr lang="de-DE" smtClean="0"/>
+              <a:rPr lang="de-DE"/>
               <a:t>Dritte Ebene</a:t>
             </a:r>
           </a:p>
           <a:p>
             <a:pPr lvl="3"/>
             <a:r>
-              <a:rPr lang="de-DE" smtClean="0"/>
+              <a:rPr lang="de-DE"/>
               <a:t>Vierte Ebene</a:t>
             </a:r>
           </a:p>
           <a:p>
             <a:pPr lvl="4"/>
             <a:r>
-              <a:rPr lang="de-DE" smtClean="0"/>
+              <a:rPr lang="de-DE"/>
               <a:t>Fünfte Ebene</a:t>
             </a:r>
-            <a:endParaRPr lang="de-DE"/>
           </a:p>
         </p:txBody>
       </p:sp>
@@ -1187,38 +1182,37 @@
           <a:p>
             <a:pPr lvl="0"/>
             <a:r>
-              <a:rPr lang="de-DE" smtClean="0"/>
+              <a:rPr lang="de-DE"/>
               <a:t>Mastertextformat bearbeiten</a:t>
             </a:r>
           </a:p>
           <a:p>
             <a:pPr lvl="1"/>
             <a:r>
-              <a:rPr lang="de-DE" smtClean="0"/>
+              <a:rPr lang="de-DE"/>
               <a:t>Zweite Ebene</a:t>
             </a:r>
           </a:p>
           <a:p>
             <a:pPr lvl="2"/>
             <a:r>
-              <a:rPr lang="de-DE" smtClean="0"/>
+              <a:rPr lang="de-DE"/>
               <a:t>Dritte Ebene</a:t>
             </a:r>
           </a:p>
           <a:p>
             <a:pPr lvl="3"/>
             <a:r>
-              <a:rPr lang="de-DE" smtClean="0"/>
+              <a:rPr lang="de-DE"/>
               <a:t>Vierte Ebene</a:t>
             </a:r>
           </a:p>
           <a:p>
             <a:pPr lvl="4"/>
             <a:r>
-              <a:rPr lang="de-DE" smtClean="0"/>
+              <a:rPr lang="de-DE"/>
               <a:t>Fünfte Ebene</a:t>
             </a:r>
-            <a:endParaRPr lang="de-DE"/>
           </a:p>
         </p:txBody>
       </p:sp>
@@ -1239,7 +1233,7 @@
           <a:p>
             <a:fld id="{B9062820-9B14-CD46-A65C-A096A5BCD7D2}" type="datetimeFigureOut">
               <a:rPr lang="de-DE" smtClean="0"/>
-              <a:t>05.03.17</a:t>
+              <a:t>05.03.2017</a:t>
             </a:fld>
             <a:endParaRPr lang="de-DE"/>
           </a:p>
@@ -1338,10 +1332,9 @@
           <a:lstStyle/>
           <a:p>
             <a:r>
-              <a:rPr lang="de-DE" smtClean="0"/>
+              <a:rPr lang="de-DE"/>
               <a:t>Mastertitelformat bearbeiten</a:t>
             </a:r>
-            <a:endParaRPr lang="de-DE"/>
           </a:p>
         </p:txBody>
       </p:sp>
@@ -1404,7 +1397,7 @@
           <a:p>
             <a:pPr lvl="0"/>
             <a:r>
-              <a:rPr lang="de-DE" smtClean="0"/>
+              <a:rPr lang="de-DE"/>
               <a:t>Mastertextformat bearbeiten</a:t>
             </a:r>
           </a:p>
@@ -1432,38 +1425,37 @@
           <a:p>
             <a:pPr lvl="0"/>
             <a:r>
-              <a:rPr lang="de-DE" smtClean="0"/>
+              <a:rPr lang="de-DE"/>
               <a:t>Mastertextformat bearbeiten</a:t>
             </a:r>
           </a:p>
           <a:p>
             <a:pPr lvl="1"/>
             <a:r>
-              <a:rPr lang="de-DE" smtClean="0"/>
+              <a:rPr lang="de-DE"/>
               <a:t>Zweite Ebene</a:t>
             </a:r>
           </a:p>
           <a:p>
             <a:pPr lvl="2"/>
             <a:r>
-              <a:rPr lang="de-DE" smtClean="0"/>
+              <a:rPr lang="de-DE"/>
               <a:t>Dritte Ebene</a:t>
             </a:r>
           </a:p>
           <a:p>
             <a:pPr lvl="3"/>
             <a:r>
-              <a:rPr lang="de-DE" smtClean="0"/>
+              <a:rPr lang="de-DE"/>
               <a:t>Vierte Ebene</a:t>
             </a:r>
           </a:p>
           <a:p>
             <a:pPr lvl="4"/>
             <a:r>
-              <a:rPr lang="de-DE" smtClean="0"/>
+              <a:rPr lang="de-DE"/>
               <a:t>Fünfte Ebene</a:t>
             </a:r>
-            <a:endParaRPr lang="de-DE"/>
           </a:p>
         </p:txBody>
       </p:sp>
@@ -1526,7 +1518,7 @@
           <a:p>
             <a:pPr lvl="0"/>
             <a:r>
-              <a:rPr lang="de-DE" smtClean="0"/>
+              <a:rPr lang="de-DE"/>
               <a:t>Mastertextformat bearbeiten</a:t>
             </a:r>
           </a:p>
@@ -1554,38 +1546,37 @@
           <a:p>
             <a:pPr lvl="0"/>
             <a:r>
-              <a:rPr lang="de-DE" smtClean="0"/>
+              <a:rPr lang="de-DE"/>
               <a:t>Mastertextformat bearbeiten</a:t>
             </a:r>
           </a:p>
           <a:p>
             <a:pPr lvl="1"/>
             <a:r>
-              <a:rPr lang="de-DE" smtClean="0"/>
+              <a:rPr lang="de-DE"/>
               <a:t>Zweite Ebene</a:t>
             </a:r>
           </a:p>
           <a:p>
             <a:pPr lvl="2"/>
             <a:r>
-              <a:rPr lang="de-DE" smtClean="0"/>
+              <a:rPr lang="de-DE"/>
               <a:t>Dritte Ebene</a:t>
             </a:r>
           </a:p>
           <a:p>
             <a:pPr lvl="3"/>
             <a:r>
-              <a:rPr lang="de-DE" smtClean="0"/>
+              <a:rPr lang="de-DE"/>
               <a:t>Vierte Ebene</a:t>
             </a:r>
           </a:p>
           <a:p>
             <a:pPr lvl="4"/>
             <a:r>
-              <a:rPr lang="de-DE" smtClean="0"/>
+              <a:rPr lang="de-DE"/>
               <a:t>Fünfte Ebene</a:t>
             </a:r>
-            <a:endParaRPr lang="de-DE"/>
           </a:p>
         </p:txBody>
       </p:sp>
@@ -1606,7 +1597,7 @@
           <a:p>
             <a:fld id="{B9062820-9B14-CD46-A65C-A096A5BCD7D2}" type="datetimeFigureOut">
               <a:rPr lang="de-DE" smtClean="0"/>
-              <a:t>05.03.17</a:t>
+              <a:t>05.03.2017</a:t>
             </a:fld>
             <a:endParaRPr lang="de-DE"/>
           </a:p>
@@ -1700,10 +1691,9 @@
           <a:lstStyle/>
           <a:p>
             <a:r>
-              <a:rPr lang="de-DE" smtClean="0"/>
+              <a:rPr lang="de-DE"/>
               <a:t>Mastertitelformat bearbeiten</a:t>
             </a:r>
-            <a:endParaRPr lang="de-DE"/>
           </a:p>
         </p:txBody>
       </p:sp>
@@ -1724,7 +1714,7 @@
           <a:p>
             <a:fld id="{B9062820-9B14-CD46-A65C-A096A5BCD7D2}" type="datetimeFigureOut">
               <a:rPr lang="de-DE" smtClean="0"/>
-              <a:t>05.03.17</a:t>
+              <a:t>05.03.2017</a:t>
             </a:fld>
             <a:endParaRPr lang="de-DE"/>
           </a:p>
@@ -1819,7 +1809,7 @@
           <a:p>
             <a:fld id="{B9062820-9B14-CD46-A65C-A096A5BCD7D2}" type="datetimeFigureOut">
               <a:rPr lang="de-DE" smtClean="0"/>
-              <a:t>05.03.17</a:t>
+              <a:t>05.03.2017</a:t>
             </a:fld>
             <a:endParaRPr lang="de-DE"/>
           </a:p>
@@ -1922,10 +1912,9 @@
           </a:lstStyle>
           <a:p>
             <a:r>
-              <a:rPr lang="de-DE" smtClean="0"/>
+              <a:rPr lang="de-DE"/>
               <a:t>Mastertitelformat bearbeiten</a:t>
             </a:r>
-            <a:endParaRPr lang="de-DE"/>
           </a:p>
         </p:txBody>
       </p:sp>
@@ -1979,38 +1968,37 @@
           <a:p>
             <a:pPr lvl="0"/>
             <a:r>
-              <a:rPr lang="de-DE" smtClean="0"/>
+              <a:rPr lang="de-DE"/>
               <a:t>Mastertextformat bearbeiten</a:t>
             </a:r>
           </a:p>
           <a:p>
             <a:pPr lvl="1"/>
             <a:r>
-              <a:rPr lang="de-DE" smtClean="0"/>
+              <a:rPr lang="de-DE"/>
               <a:t>Zweite Ebene</a:t>
             </a:r>
           </a:p>
           <a:p>
             <a:pPr lvl="2"/>
             <a:r>
-              <a:rPr lang="de-DE" smtClean="0"/>
+              <a:rPr lang="de-DE"/>
               <a:t>Dritte Ebene</a:t>
             </a:r>
           </a:p>
           <a:p>
             <a:pPr lvl="3"/>
             <a:r>
-              <a:rPr lang="de-DE" smtClean="0"/>
+              <a:rPr lang="de-DE"/>
               <a:t>Vierte Ebene</a:t>
             </a:r>
           </a:p>
           <a:p>
             <a:pPr lvl="4"/>
             <a:r>
-              <a:rPr lang="de-DE" smtClean="0"/>
+              <a:rPr lang="de-DE"/>
               <a:t>Fünfte Ebene</a:t>
             </a:r>
-            <a:endParaRPr lang="de-DE"/>
           </a:p>
         </p:txBody>
       </p:sp>
@@ -2073,7 +2061,7 @@
           <a:p>
             <a:pPr lvl="0"/>
             <a:r>
-              <a:rPr lang="de-DE" smtClean="0"/>
+              <a:rPr lang="de-DE"/>
               <a:t>Mastertextformat bearbeiten</a:t>
             </a:r>
           </a:p>
@@ -2096,7 +2084,7 @@
           <a:p>
             <a:fld id="{B9062820-9B14-CD46-A65C-A096A5BCD7D2}" type="datetimeFigureOut">
               <a:rPr lang="de-DE" smtClean="0"/>
-              <a:t>05.03.17</a:t>
+              <a:t>05.03.2017</a:t>
             </a:fld>
             <a:endParaRPr lang="de-DE"/>
           </a:p>
@@ -2199,10 +2187,9 @@
           </a:lstStyle>
           <a:p>
             <a:r>
-              <a:rPr lang="de-DE" smtClean="0"/>
+              <a:rPr lang="de-DE"/>
               <a:t>Mastertitelformat bearbeiten</a:t>
             </a:r>
-            <a:endParaRPr lang="de-DE"/>
           </a:p>
         </p:txBody>
       </p:sp>
@@ -2326,7 +2313,7 @@
           <a:p>
             <a:pPr lvl="0"/>
             <a:r>
-              <a:rPr lang="de-DE" smtClean="0"/>
+              <a:rPr lang="de-DE"/>
               <a:t>Mastertextformat bearbeiten</a:t>
             </a:r>
           </a:p>
@@ -2349,7 +2336,7 @@
           <a:p>
             <a:fld id="{B9062820-9B14-CD46-A65C-A096A5BCD7D2}" type="datetimeFigureOut">
               <a:rPr lang="de-DE" smtClean="0"/>
-              <a:t>05.03.17</a:t>
+              <a:t>05.03.2017</a:t>
             </a:fld>
             <a:endParaRPr lang="de-DE"/>
           </a:p>
@@ -2458,10 +2445,9 @@
           <a:lstStyle/>
           <a:p>
             <a:r>
-              <a:rPr lang="de-DE" smtClean="0"/>
+              <a:rPr lang="de-DE"/>
               <a:t>Mastertitelformat bearbeiten</a:t>
             </a:r>
-            <a:endParaRPr lang="de-DE"/>
           </a:p>
         </p:txBody>
       </p:sp>
@@ -2492,38 +2478,37 @@
           <a:p>
             <a:pPr lvl="0"/>
             <a:r>
-              <a:rPr lang="de-DE" smtClean="0"/>
+              <a:rPr lang="de-DE"/>
               <a:t>Mastertextformat bearbeiten</a:t>
             </a:r>
           </a:p>
           <a:p>
             <a:pPr lvl="1"/>
             <a:r>
-              <a:rPr lang="de-DE" smtClean="0"/>
+              <a:rPr lang="de-DE"/>
               <a:t>Zweite Ebene</a:t>
             </a:r>
           </a:p>
           <a:p>
             <a:pPr lvl="2"/>
             <a:r>
-              <a:rPr lang="de-DE" smtClean="0"/>
+              <a:rPr lang="de-DE"/>
               <a:t>Dritte Ebene</a:t>
             </a:r>
           </a:p>
           <a:p>
             <a:pPr lvl="3"/>
             <a:r>
-              <a:rPr lang="de-DE" smtClean="0"/>
+              <a:rPr lang="de-DE"/>
               <a:t>Vierte Ebene</a:t>
             </a:r>
           </a:p>
           <a:p>
             <a:pPr lvl="4"/>
             <a:r>
-              <a:rPr lang="de-DE" smtClean="0"/>
+              <a:rPr lang="de-DE"/>
               <a:t>Fünfte Ebene</a:t>
             </a:r>
-            <a:endParaRPr lang="de-DE"/>
           </a:p>
         </p:txBody>
       </p:sp>
@@ -2562,7 +2547,7 @@
           <a:p>
             <a:fld id="{B9062820-9B14-CD46-A65C-A096A5BCD7D2}" type="datetimeFigureOut">
               <a:rPr lang="de-DE" smtClean="0"/>
-              <a:t>05.03.17</a:t>
+              <a:t>05.03.2017</a:t>
             </a:fld>
             <a:endParaRPr lang="de-DE"/>
           </a:p>
@@ -2993,23 +2978,26 @@
       </p:pic>
       <p:sp>
         <p:nvSpPr>
-          <p:cNvPr id="5" name="Rechteck 4"/>
+          <p:cNvPr id="6" name="Rechteck 5"/>
           <p:cNvSpPr/>
           <p:nvPr/>
         </p:nvSpPr>
         <p:spPr>
           <a:xfrm>
-            <a:off x="4789513" y="3508743"/>
-            <a:ext cx="7404713" cy="2977116"/>
+            <a:off x="-2226" y="0"/>
+            <a:ext cx="12194226" cy="8033094"/>
           </a:xfrm>
           <a:prstGeom prst="rect">
             <a:avLst/>
           </a:prstGeom>
           <a:solidFill>
             <a:srgbClr val="000000">
-              <a:alpha val="47843"/>
+              <a:alpha val="34000"/>
             </a:srgbClr>
           </a:solidFill>
+          <a:ln>
+            <a:noFill/>
+          </a:ln>
         </p:spPr>
         <p:style>
           <a:lnRef idx="2">
@@ -3032,6 +3020,53 @@
           <a:lstStyle/>
           <a:p>
             <a:pPr algn="ctr"/>
+            <a:endParaRPr lang="de-AT">
+              <a:solidFill>
+                <a:schemeClr val="tx1"/>
+              </a:solidFill>
+            </a:endParaRPr>
+          </a:p>
+        </p:txBody>
+      </p:sp>
+      <p:sp>
+        <p:nvSpPr>
+          <p:cNvPr id="5" name="Rechteck 4"/>
+          <p:cNvSpPr/>
+          <p:nvPr/>
+        </p:nvSpPr>
+        <p:spPr>
+          <a:xfrm>
+            <a:off x="4789513" y="2999009"/>
+            <a:ext cx="7404713" cy="2588992"/>
+          </a:xfrm>
+          <a:prstGeom prst="rect">
+            <a:avLst/>
+          </a:prstGeom>
+          <a:solidFill>
+            <a:srgbClr val="F73B4A"/>
+          </a:solidFill>
+        </p:spPr>
+        <p:style>
+          <a:lnRef idx="2">
+            <a:schemeClr val="accent1">
+              <a:shade val="50000"/>
+            </a:schemeClr>
+          </a:lnRef>
+          <a:fillRef idx="1">
+            <a:schemeClr val="accent1"/>
+          </a:fillRef>
+          <a:effectRef idx="0">
+            <a:schemeClr val="accent1"/>
+          </a:effectRef>
+          <a:fontRef idx="minor">
+            <a:schemeClr val="lt1"/>
+          </a:fontRef>
+        </p:style>
+        <p:txBody>
+          <a:bodyPr rtlCol="0" anchor="ctr"/>
+          <a:lstStyle/>
+          <a:p>
+            <a:pPr algn="ctr"/>
             <a:endParaRPr lang="de-DE"/>
           </a:p>
         </p:txBody>
@@ -3048,59 +3083,59 @@
         </p:nvSpPr>
         <p:spPr>
           <a:xfrm>
-            <a:off x="5149007" y="2999008"/>
-            <a:ext cx="6870023" cy="2387600"/>
-          </a:xfrm>
-        </p:spPr>
-        <p:txBody>
-          <a:bodyPr/>
+            <a:off x="5149007" y="2999007"/>
+            <a:ext cx="6870023" cy="2588993"/>
+          </a:xfrm>
+        </p:spPr>
+        <p:txBody>
+          <a:bodyPr anchor="ctr"/>
           <a:lstStyle/>
           <a:p>
             <a:pPr algn="l"/>
             <a:r>
-              <a:rPr lang="de-DE" sz="7200" dirty="0" smtClean="0">
+              <a:rPr lang="de-DE" sz="7200" dirty="0">
                 <a:solidFill>
                   <a:schemeClr val="bg1"/>
                 </a:solidFill>
+                <a:latin typeface="Montserrat" panose="02000505000000020004" pitchFamily="2" charset="0"/>
               </a:rPr>
               <a:t>Palfinger </a:t>
             </a:r>
             <a:r>
-              <a:rPr lang="de-DE" sz="7200" dirty="0" err="1" smtClean="0">
+              <a:rPr lang="de-DE" sz="7200" dirty="0" err="1">
                 <a:solidFill>
                   <a:schemeClr val="bg1"/>
                 </a:solidFill>
+                <a:latin typeface="Montserrat" panose="02000505000000020004" pitchFamily="2" charset="0"/>
               </a:rPr>
               <a:t>as</a:t>
             </a:r>
             <a:r>
-              <a:rPr lang="de-DE" sz="7200" dirty="0" smtClean="0">
+              <a:rPr lang="de-DE" sz="7200" dirty="0">
                 <a:solidFill>
                   <a:schemeClr val="bg1"/>
                 </a:solidFill>
+                <a:latin typeface="Montserrat" panose="02000505000000020004" pitchFamily="2" charset="0"/>
               </a:rPr>
               <a:t> </a:t>
             </a:r>
             <a:br>
-              <a:rPr lang="de-DE" sz="7200" dirty="0" smtClean="0">
+              <a:rPr lang="de-DE" sz="7200" dirty="0">
                 <a:solidFill>
                   <a:schemeClr val="bg1"/>
                 </a:solidFill>
+                <a:latin typeface="Montserrat" panose="02000505000000020004" pitchFamily="2" charset="0"/>
               </a:rPr>
             </a:br>
             <a:r>
-              <a:rPr lang="de-DE" sz="7200" dirty="0" smtClean="0">
+              <a:rPr lang="de-DE" sz="7200" dirty="0">
                 <a:solidFill>
                   <a:schemeClr val="bg1"/>
                 </a:solidFill>
+                <a:latin typeface="Montserrat" panose="02000505000000020004" pitchFamily="2" charset="0"/>
               </a:rPr>
               <a:t>a Service</a:t>
             </a:r>
-            <a:endParaRPr lang="de-DE" sz="7200" dirty="0">
-              <a:solidFill>
-                <a:schemeClr val="bg1"/>
-              </a:solidFill>
-            </a:endParaRPr>
           </a:p>
         </p:txBody>
       </p:sp>
@@ -3116,36 +3151,28 @@
         </p:nvSpPr>
         <p:spPr>
           <a:xfrm>
-            <a:off x="5149007" y="5478683"/>
-            <a:ext cx="6870023" cy="1655762"/>
+            <a:off x="5149007" y="5880909"/>
+            <a:ext cx="6870023" cy="614677"/>
           </a:xfrm>
         </p:spPr>
         <p:txBody>
           <a:bodyPr>
-            <a:normAutofit/>
+            <a:normAutofit lnSpcReduction="10000"/>
           </a:bodyPr>
           <a:lstStyle/>
           <a:p>
             <a:pPr algn="l"/>
             <a:r>
-              <a:rPr lang="de-DE" sz="4800" dirty="0" smtClean="0">
+              <a:rPr lang="de-DE" sz="4000" dirty="0">
                 <a:solidFill>
                   <a:schemeClr val="bg1"/>
                 </a:solidFill>
-                <a:latin typeface="Franklin Gothic Heavy" charset="0"/>
-                <a:ea typeface="Franklin Gothic Heavy" charset="0"/>
-                <a:cs typeface="Franklin Gothic Heavy" charset="0"/>
+                <a:latin typeface="Open Sans" panose="020B0606030504020204" pitchFamily="34" charset="0"/>
+                <a:ea typeface="Open Sans" panose="020B0606030504020204" pitchFamily="34" charset="0"/>
+                <a:cs typeface="Open Sans" panose="020B0606030504020204" pitchFamily="34" charset="0"/>
               </a:rPr>
               <a:t>Team Dallas Cowboys</a:t>
             </a:r>
-            <a:endParaRPr lang="de-DE" sz="4800" dirty="0">
-              <a:solidFill>
-                <a:schemeClr val="bg1"/>
-              </a:solidFill>
-              <a:latin typeface="Franklin Gothic Heavy" charset="0"/>
-              <a:ea typeface="Franklin Gothic Heavy" charset="0"/>
-              <a:cs typeface="Franklin Gothic Heavy" charset="0"/>
-            </a:endParaRPr>
           </a:p>
         </p:txBody>
       </p:sp>
@@ -3179,131 +3206,313 @@
           <a:chExt cx="0" cy="0"/>
         </a:xfrm>
       </p:grpSpPr>
-      <p:sp>
-        <p:nvSpPr>
-          <p:cNvPr id="2" name="Titel 1"/>
-          <p:cNvSpPr>
-            <a:spLocks noGrp="1"/>
-          </p:cNvSpPr>
-          <p:nvPr>
-            <p:ph type="title"/>
-          </p:nvPr>
-        </p:nvSpPr>
-        <p:spPr>
-          <a:xfrm>
-            <a:off x="838200" y="3620"/>
-            <a:ext cx="10515600" cy="1325563"/>
-          </a:xfrm>
-        </p:spPr>
-        <p:txBody>
-          <a:bodyPr/>
-          <a:lstStyle/>
-          <a:p>
-            <a:pPr algn="ctr"/>
-            <a:r>
-              <a:rPr lang="de-DE" dirty="0" smtClean="0"/>
-              <a:t>Digital Transformation</a:t>
-            </a:r>
-            <a:endParaRPr lang="de-DE" dirty="0"/>
-          </a:p>
-        </p:txBody>
-      </p:sp>
       <p:pic>
         <p:nvPicPr>
-          <p:cNvPr id="4" name="Bild 3"/>
+          <p:cNvPr id="24" name="Grafik 23"/>
           <p:cNvPicPr>
             <a:picLocks noChangeAspect="1"/>
           </p:cNvPicPr>
           <p:nvPr/>
         </p:nvPicPr>
-        <p:blipFill>
+        <p:blipFill rotWithShape="1">
           <a:blip r:embed="rId2"/>
-          <a:stretch>
-            <a:fillRect/>
-          </a:stretch>
+          <a:srcRect l="13921" r="13767"/>
+          <a:stretch/>
         </p:blipFill>
         <p:spPr>
           <a:xfrm>
-            <a:off x="644747" y="1167815"/>
-            <a:ext cx="10985500" cy="4318682"/>
+            <a:off x="6248400" y="1427813"/>
+            <a:ext cx="5956300" cy="5487867"/>
           </a:xfrm>
           <a:prstGeom prst="rect">
             <a:avLst/>
           </a:prstGeom>
         </p:spPr>
       </p:pic>
-      <p:sp>
-        <p:nvSpPr>
-          <p:cNvPr id="5" name="Textfeld 4"/>
-          <p:cNvSpPr txBox="1"/>
+      <p:pic>
+        <p:nvPicPr>
+          <p:cNvPr id="15" name="Grafik 14"/>
+          <p:cNvPicPr>
+            <a:picLocks noChangeAspect="1"/>
+          </p:cNvPicPr>
           <p:nvPr/>
-        </p:nvSpPr>
-        <p:spPr>
-          <a:xfrm>
-            <a:off x="838200" y="5486497"/>
-            <a:ext cx="3870638" cy="646331"/>
+        </p:nvPicPr>
+        <p:blipFill rotWithShape="1">
+          <a:blip r:embed="rId3"/>
+          <a:srcRect l="12761" r="19931"/>
+          <a:stretch/>
+        </p:blipFill>
+        <p:spPr>
+          <a:xfrm>
+            <a:off x="12700" y="1294993"/>
+            <a:ext cx="6223000" cy="5602167"/>
           </a:xfrm>
           <a:prstGeom prst="rect">
             <a:avLst/>
           </a:prstGeom>
-          <a:noFill/>
-        </p:spPr>
-        <p:txBody>
-          <a:bodyPr wrap="square" rtlCol="0">
-            <a:spAutoFit/>
-          </a:bodyPr>
-          <a:lstStyle/>
-          <a:p>
-            <a:r>
-              <a:rPr lang="de-DE" sz="3600" dirty="0" err="1" smtClean="0">
-                <a:latin typeface="Franklin Gothic Demi" charset="0"/>
-                <a:ea typeface="Franklin Gothic Demi" charset="0"/>
-                <a:cs typeface="Franklin Gothic Demi" charset="0"/>
+        </p:spPr>
+      </p:pic>
+      <p:sp>
+        <p:nvSpPr>
+          <p:cNvPr id="26" name="Flussdiagramm: Prozess 25"/>
+          <p:cNvSpPr/>
+          <p:nvPr/>
+        </p:nvSpPr>
+        <p:spPr>
+          <a:xfrm>
+            <a:off x="12700" y="1408233"/>
+            <a:ext cx="12192000" cy="5507447"/>
+          </a:xfrm>
+          <a:prstGeom prst="flowChartProcess">
+            <a:avLst/>
+          </a:prstGeom>
+          <a:solidFill>
+            <a:schemeClr val="tx1">
+              <a:alpha val="30000"/>
+            </a:schemeClr>
+          </a:solidFill>
+        </p:spPr>
+        <p:style>
+          <a:lnRef idx="2">
+            <a:schemeClr val="accent1">
+              <a:shade val="50000"/>
+            </a:schemeClr>
+          </a:lnRef>
+          <a:fillRef idx="1">
+            <a:schemeClr val="accent1"/>
+          </a:fillRef>
+          <a:effectRef idx="0">
+            <a:schemeClr val="accent1"/>
+          </a:effectRef>
+          <a:fontRef idx="minor">
+            <a:schemeClr val="lt1"/>
+          </a:fontRef>
+        </p:style>
+        <p:txBody>
+          <a:bodyPr rtlCol="0" anchor="ctr"/>
+          <a:lstStyle/>
+          <a:p>
+            <a:pPr algn="ctr"/>
+            <a:endParaRPr lang="de-AT"/>
+          </a:p>
+        </p:txBody>
+      </p:sp>
+      <p:grpSp>
+        <p:nvGrpSpPr>
+          <p:cNvPr id="13" name="Gruppieren 12"/>
+          <p:cNvGrpSpPr/>
+          <p:nvPr/>
+        </p:nvGrpSpPr>
+        <p:grpSpPr>
+          <a:xfrm>
+            <a:off x="0" y="0"/>
+            <a:ext cx="12204700" cy="1408233"/>
+            <a:chOff x="0" y="0"/>
+            <a:chExt cx="12204700" cy="1408233"/>
+          </a:xfrm>
+        </p:grpSpPr>
+        <p:sp>
+          <p:nvSpPr>
+            <p:cNvPr id="9" name="Rechteck 8"/>
+            <p:cNvSpPr/>
+            <p:nvPr/>
+          </p:nvSpPr>
+          <p:spPr>
+            <a:xfrm>
+              <a:off x="0" y="0"/>
+              <a:ext cx="12204700" cy="1408233"/>
+            </a:xfrm>
+            <a:prstGeom prst="rect">
+              <a:avLst/>
+            </a:prstGeom>
+            <a:solidFill>
+              <a:srgbClr val="F73B4A"/>
+            </a:solidFill>
+            <a:ln>
+              <a:noFill/>
+            </a:ln>
+          </p:spPr>
+          <p:style>
+            <a:lnRef idx="2">
+              <a:schemeClr val="accent1">
+                <a:shade val="50000"/>
+              </a:schemeClr>
+            </a:lnRef>
+            <a:fillRef idx="1">
+              <a:schemeClr val="accent1"/>
+            </a:fillRef>
+            <a:effectRef idx="0">
+              <a:schemeClr val="accent1"/>
+            </a:effectRef>
+            <a:fontRef idx="minor">
+              <a:schemeClr val="lt1"/>
+            </a:fontRef>
+          </p:style>
+          <p:txBody>
+            <a:bodyPr rtlCol="0" anchor="ctr"/>
+            <a:lstStyle/>
+            <a:p>
+              <a:pPr algn="ctr"/>
+              <a:endParaRPr lang="de-AT"/>
+            </a:p>
+          </p:txBody>
+        </p:sp>
+        <p:sp>
+          <p:nvSpPr>
+            <p:cNvPr id="10" name="Titel 1"/>
+            <p:cNvSpPr txBox="1">
+              <a:spLocks/>
+            </p:cNvSpPr>
+            <p:nvPr/>
+          </p:nvSpPr>
+          <p:spPr>
+            <a:xfrm>
+              <a:off x="12700" y="59722"/>
+              <a:ext cx="12192000" cy="1348511"/>
+            </a:xfrm>
+            <a:prstGeom prst="rect">
+              <a:avLst/>
+            </a:prstGeom>
+          </p:spPr>
+          <p:txBody>
+            <a:bodyPr vert="horz" lIns="91440" tIns="45720" rIns="91440" bIns="45720" rtlCol="0" anchor="ctr">
+              <a:noAutofit/>
+            </a:bodyPr>
+            <a:lstStyle>
+              <a:lvl1pPr algn="l" defTabSz="914400" rtl="0" eaLnBrk="1" latinLnBrk="0" hangingPunct="1">
+                <a:lnSpc>
+                  <a:spcPct val="90000"/>
+                </a:lnSpc>
+                <a:spcBef>
+                  <a:spcPct val="0"/>
+                </a:spcBef>
+                <a:buNone/>
+                <a:defRPr sz="5400" kern="1200">
+                  <a:solidFill>
+                    <a:schemeClr val="tx1"/>
+                  </a:solidFill>
+                  <a:latin typeface="CollegiateHeavyOutline" charset="0"/>
+                  <a:ea typeface="CollegiateHeavyOutline" charset="0"/>
+                  <a:cs typeface="CollegiateHeavyOutline" charset="0"/>
+                </a:defRPr>
+              </a:lvl1pPr>
+            </a:lstStyle>
+            <a:p>
+              <a:pPr algn="ctr"/>
+              <a:r>
+                <a:rPr lang="de-DE" sz="4800" b="1" dirty="0">
+                  <a:solidFill>
+                    <a:schemeClr val="bg1"/>
+                  </a:solidFill>
+                  <a:latin typeface="Montserrat" panose="02000505000000020004" pitchFamily="2" charset="0"/>
+                </a:rPr>
+                <a:t>DIGITAL TRANSFORMATION</a:t>
+              </a:r>
+            </a:p>
+          </p:txBody>
+        </p:sp>
+      </p:grpSp>
+      <p:sp>
+        <p:nvSpPr>
+          <p:cNvPr id="19" name="Flussdiagramm: Prozess 18"/>
+          <p:cNvSpPr/>
+          <p:nvPr/>
+        </p:nvSpPr>
+        <p:spPr>
+          <a:xfrm>
+            <a:off x="528684" y="5588000"/>
+            <a:ext cx="4957716" cy="973294"/>
+          </a:xfrm>
+          <a:prstGeom prst="flowChartProcess">
+            <a:avLst/>
+          </a:prstGeom>
+          <a:solidFill>
+            <a:srgbClr val="F73B4A"/>
+          </a:solidFill>
+        </p:spPr>
+        <p:style>
+          <a:lnRef idx="2">
+            <a:schemeClr val="accent1">
+              <a:shade val="50000"/>
+            </a:schemeClr>
+          </a:lnRef>
+          <a:fillRef idx="1">
+            <a:schemeClr val="accent1"/>
+          </a:fillRef>
+          <a:effectRef idx="0">
+            <a:schemeClr val="accent1"/>
+          </a:effectRef>
+          <a:fontRef idx="minor">
+            <a:schemeClr val="lt1"/>
+          </a:fontRef>
+        </p:style>
+        <p:txBody>
+          <a:bodyPr rtlCol="0" anchor="ctr"/>
+          <a:lstStyle/>
+          <a:p>
+            <a:pPr algn="ctr"/>
+            <a:r>
+              <a:rPr lang="de-AT" sz="2800" dirty="0" err="1">
+                <a:latin typeface="Montserrat" panose="02000505000000020004" pitchFamily="2" charset="0"/>
+              </a:rPr>
+              <a:t>Machine</a:t>
+            </a:r>
+            <a:r>
+              <a:rPr lang="de-AT" sz="2800" dirty="0">
+                <a:latin typeface="Montserrat" panose="02000505000000020004" pitchFamily="2" charset="0"/>
+              </a:rPr>
+              <a:t> Provider</a:t>
+            </a:r>
+          </a:p>
+        </p:txBody>
+      </p:sp>
+      <p:sp>
+        <p:nvSpPr>
+          <p:cNvPr id="20" name="Flussdiagramm: Prozess 19"/>
+          <p:cNvSpPr/>
+          <p:nvPr/>
+        </p:nvSpPr>
+        <p:spPr>
+          <a:xfrm>
+            <a:off x="6887392" y="5588000"/>
+            <a:ext cx="4957716" cy="973294"/>
+          </a:xfrm>
+          <a:prstGeom prst="flowChartProcess">
+            <a:avLst/>
+          </a:prstGeom>
+          <a:solidFill>
+            <a:srgbClr val="F73B4A"/>
+          </a:solidFill>
+        </p:spPr>
+        <p:style>
+          <a:lnRef idx="2">
+            <a:schemeClr val="accent1">
+              <a:shade val="50000"/>
+            </a:schemeClr>
+          </a:lnRef>
+          <a:fillRef idx="1">
+            <a:schemeClr val="accent1"/>
+          </a:fillRef>
+          <a:effectRef idx="0">
+            <a:schemeClr val="accent1"/>
+          </a:effectRef>
+          <a:fontRef idx="minor">
+            <a:schemeClr val="lt1"/>
+          </a:fontRef>
+        </p:style>
+        <p:txBody>
+          <a:bodyPr rtlCol="0" anchor="ctr"/>
+          <a:lstStyle/>
+          <a:p>
+            <a:pPr algn="ctr"/>
+            <a:r>
+              <a:rPr lang="de-AT" sz="2800" dirty="0" err="1">
+                <a:latin typeface="Montserrat" panose="02000505000000020004" pitchFamily="2" charset="0"/>
               </a:rPr>
               <a:t>MachineProvider</a:t>
             </a:r>
-            <a:endParaRPr lang="de-DE" sz="3600" dirty="0">
-              <a:latin typeface="Franklin Gothic Demi" charset="0"/>
-              <a:ea typeface="Franklin Gothic Demi" charset="0"/>
-              <a:cs typeface="Franklin Gothic Demi" charset="0"/>
-            </a:endParaRPr>
-          </a:p>
-        </p:txBody>
-      </p:sp>
-      <p:sp>
-        <p:nvSpPr>
-          <p:cNvPr id="6" name="Textfeld 5"/>
-          <p:cNvSpPr txBox="1"/>
-          <p:nvPr/>
-        </p:nvSpPr>
-        <p:spPr>
-          <a:xfrm>
-            <a:off x="6517463" y="5486496"/>
-            <a:ext cx="3870638" cy="646331"/>
-          </a:xfrm>
-          <a:prstGeom prst="rect">
-            <a:avLst/>
-          </a:prstGeom>
-          <a:noFill/>
-        </p:spPr>
-        <p:txBody>
-          <a:bodyPr wrap="square" rtlCol="0">
-            <a:spAutoFit/>
-          </a:bodyPr>
-          <a:lstStyle/>
-          <a:p>
-            <a:r>
-              <a:rPr lang="de-DE" sz="3600" dirty="0" err="1" smtClean="0">
-                <a:latin typeface="Franklin Gothic Demi" charset="0"/>
-                <a:ea typeface="Franklin Gothic Demi" charset="0"/>
-                <a:cs typeface="Franklin Gothic Demi" charset="0"/>
-              </a:rPr>
-              <a:t>ServiceProvider</a:t>
-            </a:r>
-            <a:endParaRPr lang="de-DE" sz="3600" dirty="0">
-              <a:latin typeface="Franklin Gothic Demi" charset="0"/>
-              <a:ea typeface="Franklin Gothic Demi" charset="0"/>
-              <a:cs typeface="Franklin Gothic Demi" charset="0"/>
+            <a:endParaRPr lang="de-AT" sz="2800" dirty="0">
+              <a:latin typeface="Montserrat" panose="02000505000000020004" pitchFamily="2" charset="0"/>
             </a:endParaRPr>
           </a:p>
         </p:txBody>
@@ -3316,12 +3525,21 @@
         </p:nvSpPr>
         <p:spPr>
           <a:xfrm>
-            <a:off x="4161954" y="2784895"/>
-            <a:ext cx="1093768" cy="1084521"/>
+            <a:off x="5836981" y="3219508"/>
+            <a:ext cx="1353881" cy="1443716"/>
           </a:xfrm>
           <a:prstGeom prst="rightArrow">
-            <a:avLst/>
+            <a:avLst>
+              <a:gd name="adj1" fmla="val 53441"/>
+              <a:gd name="adj2" fmla="val 110224"/>
+            </a:avLst>
           </a:prstGeom>
+          <a:solidFill>
+            <a:srgbClr val="F73B4A"/>
+          </a:solidFill>
+          <a:ln>
+            <a:noFill/>
+          </a:ln>
         </p:spPr>
         <p:style>
           <a:lnRef idx="2">
@@ -3344,7 +3562,89 @@
           <a:lstStyle/>
           <a:p>
             <a:pPr algn="ctr"/>
-            <a:endParaRPr lang="de-DE"/>
+            <a:endParaRPr lang="de-DE" dirty="0"/>
+          </a:p>
+        </p:txBody>
+      </p:sp>
+      <p:sp>
+        <p:nvSpPr>
+          <p:cNvPr id="3" name="Textfeld 2"/>
+          <p:cNvSpPr txBox="1"/>
+          <p:nvPr/>
+        </p:nvSpPr>
+        <p:spPr>
+          <a:xfrm>
+            <a:off x="5836981" y="3756700"/>
+            <a:ext cx="914400" cy="369332"/>
+          </a:xfrm>
+          <a:prstGeom prst="rect">
+            <a:avLst/>
+          </a:prstGeom>
+          <a:noFill/>
+        </p:spPr>
+        <p:txBody>
+          <a:bodyPr wrap="square" rtlCol="0">
+            <a:spAutoFit/>
+          </a:bodyPr>
+          <a:lstStyle/>
+          <a:p>
+            <a:r>
+              <a:rPr lang="de-AT" b="1" dirty="0">
+                <a:solidFill>
+                  <a:schemeClr val="bg1"/>
+                </a:solidFill>
+                <a:latin typeface="Montserrat" panose="02000505000000020004" pitchFamily="2" charset="0"/>
+              </a:rPr>
+              <a:t>WIRD</a:t>
+            </a:r>
+          </a:p>
+        </p:txBody>
+      </p:sp>
+      <p:sp>
+        <p:nvSpPr>
+          <p:cNvPr id="25" name="Flussdiagramm: Prozess 24"/>
+          <p:cNvSpPr/>
+          <p:nvPr/>
+        </p:nvSpPr>
+        <p:spPr>
+          <a:xfrm>
+            <a:off x="6741342" y="5588000"/>
+            <a:ext cx="4957716" cy="973294"/>
+          </a:xfrm>
+          <a:prstGeom prst="flowChartProcess">
+            <a:avLst/>
+          </a:prstGeom>
+          <a:solidFill>
+            <a:srgbClr val="F73B4A"/>
+          </a:solidFill>
+        </p:spPr>
+        <p:style>
+          <a:lnRef idx="2">
+            <a:schemeClr val="accent1">
+              <a:shade val="50000"/>
+            </a:schemeClr>
+          </a:lnRef>
+          <a:fillRef idx="1">
+            <a:schemeClr val="accent1"/>
+          </a:fillRef>
+          <a:effectRef idx="0">
+            <a:schemeClr val="accent1"/>
+          </a:effectRef>
+          <a:fontRef idx="minor">
+            <a:schemeClr val="lt1"/>
+          </a:fontRef>
+        </p:style>
+        <p:txBody>
+          <a:bodyPr rtlCol="0" anchor="ctr"/>
+          <a:lstStyle/>
+          <a:p>
+            <a:pPr algn="ctr"/>
+            <a:r>
+              <a:rPr lang="de-AT" sz="2800" dirty="0">
+                <a:latin typeface="Montserrat" panose="02000505000000020004" pitchFamily="2" charset="0"/>
+              </a:rPr>
+              <a:t>Service Provider</a:t>
+            </a:r>
           </a:p>
         </p:txBody>
       </p:sp>
@@ -3380,57 +3680,24 @@
       </p:grpSpPr>
       <p:sp>
         <p:nvSpPr>
-          <p:cNvPr id="2" name="Titel 1"/>
-          <p:cNvSpPr>
-            <a:spLocks noGrp="1"/>
-          </p:cNvSpPr>
-          <p:nvPr>
-            <p:ph type="title"/>
-          </p:nvPr>
-        </p:nvSpPr>
-        <p:spPr/>
-        <p:txBody>
-          <a:bodyPr/>
-          <a:lstStyle/>
-          <a:p>
-            <a:r>
-              <a:rPr lang="de-DE" dirty="0" smtClean="0"/>
-              <a:t>Software </a:t>
-            </a:r>
-            <a:r>
-              <a:rPr lang="de-DE" dirty="0" err="1" smtClean="0"/>
-              <a:t>is</a:t>
-            </a:r>
-            <a:r>
-              <a:rPr lang="de-DE" dirty="0" smtClean="0"/>
-              <a:t> </a:t>
-            </a:r>
-            <a:r>
-              <a:rPr lang="de-DE" dirty="0" err="1" smtClean="0"/>
-              <a:t>the</a:t>
-            </a:r>
-            <a:r>
-              <a:rPr lang="de-DE" dirty="0" smtClean="0"/>
-              <a:t> Key</a:t>
-            </a:r>
-            <a:endParaRPr lang="de-DE" dirty="0"/>
-          </a:p>
-        </p:txBody>
-      </p:sp>
-      <p:sp>
-        <p:nvSpPr>
-          <p:cNvPr id="4" name="Diagonal liegende Ecken des Rechtecks schneiden 3"/>
+          <p:cNvPr id="5" name="Rechteck 4"/>
           <p:cNvSpPr/>
           <p:nvPr/>
         </p:nvSpPr>
         <p:spPr>
           <a:xfrm>
-            <a:off x="8440479" y="1690688"/>
-            <a:ext cx="3489251" cy="2009442"/>
-          </a:xfrm>
-          <a:prstGeom prst="snip2DiagRect">
+            <a:off x="0" y="0"/>
+            <a:ext cx="12204700" cy="6858000"/>
+          </a:xfrm>
+          <a:prstGeom prst="rect">
             <a:avLst/>
           </a:prstGeom>
+          <a:solidFill>
+            <a:srgbClr val="F73B4A"/>
+          </a:solidFill>
+          <a:ln>
+            <a:noFill/>
+          </a:ln>
         </p:spPr>
         <p:style>
           <a:lnRef idx="2">
@@ -3453,495 +3720,68 @@
           <a:lstStyle/>
           <a:p>
             <a:pPr algn="ctr"/>
-            <a:r>
-              <a:rPr lang="de-DE" sz="3600" dirty="0" smtClean="0">
-                <a:latin typeface="Franklin Gothic Demi" charset="0"/>
-                <a:ea typeface="Franklin Gothic Demi" charset="0"/>
-                <a:cs typeface="Franklin Gothic Demi" charset="0"/>
-              </a:rPr>
-              <a:t>Pal Assistance Hub</a:t>
-            </a:r>
-            <a:endParaRPr lang="de-DE" sz="3600" dirty="0">
-              <a:latin typeface="Franklin Gothic Demi" charset="0"/>
-              <a:ea typeface="Franklin Gothic Demi" charset="0"/>
-              <a:cs typeface="Franklin Gothic Demi" charset="0"/>
-            </a:endParaRPr>
-          </a:p>
-        </p:txBody>
-      </p:sp>
-      <p:pic>
-        <p:nvPicPr>
-          <p:cNvPr id="5" name="Bild 4"/>
-          <p:cNvPicPr>
-            <a:picLocks noChangeAspect="1"/>
-          </p:cNvPicPr>
+            <a:endParaRPr lang="de-AT"/>
+          </a:p>
+        </p:txBody>
+      </p:sp>
+      <p:sp>
+        <p:nvSpPr>
+          <p:cNvPr id="6" name="Titel 1"/>
+          <p:cNvSpPr txBox="1">
+            <a:spLocks/>
+          </p:cNvSpPr>
           <p:nvPr/>
-        </p:nvPicPr>
-        <p:blipFill>
-          <a:blip r:embed="rId2"/>
-          <a:stretch>
-            <a:fillRect/>
-          </a:stretch>
-        </p:blipFill>
-        <p:spPr>
-          <a:xfrm>
-            <a:off x="-1594885" y="1690688"/>
-            <a:ext cx="4623391" cy="3213750"/>
+        </p:nvSpPr>
+        <p:spPr>
+          <a:xfrm>
+            <a:off x="12700" y="0"/>
+            <a:ext cx="12192000" cy="6858000"/>
           </a:xfrm>
           <a:prstGeom prst="rect">
             <a:avLst/>
           </a:prstGeom>
         </p:spPr>
-      </p:pic>
-      <p:sp>
-        <p:nvSpPr>
-          <p:cNvPr id="6" name="Eine Ecke des Rechtecks schneiden 5"/>
-          <p:cNvSpPr/>
-          <p:nvPr/>
-        </p:nvSpPr>
-        <p:spPr>
-          <a:xfrm>
-            <a:off x="3028507" y="1690688"/>
-            <a:ext cx="1977656" cy="1594884"/>
-          </a:xfrm>
-          <a:prstGeom prst="snip1Rect">
-            <a:avLst/>
-          </a:prstGeom>
-        </p:spPr>
-        <p:style>
-          <a:lnRef idx="2">
-            <a:schemeClr val="accent1">
-              <a:shade val="50000"/>
-            </a:schemeClr>
-          </a:lnRef>
-          <a:fillRef idx="1">
-            <a:schemeClr val="accent1"/>
-          </a:fillRef>
-          <a:effectRef idx="0">
-            <a:schemeClr val="accent1"/>
-          </a:effectRef>
-          <a:fontRef idx="minor">
-            <a:schemeClr val="lt1"/>
-          </a:fontRef>
-        </p:style>
-        <p:txBody>
-          <a:bodyPr rtlCol="0" anchor="ctr"/>
-          <a:lstStyle/>
+        <p:txBody>
+          <a:bodyPr vert="horz" lIns="91440" tIns="45720" rIns="91440" bIns="45720" rtlCol="0" anchor="ctr">
+            <a:noAutofit/>
+          </a:bodyPr>
+          <a:lstStyle>
+            <a:lvl1pPr algn="l" defTabSz="914400" rtl="0" eaLnBrk="1" latinLnBrk="0" hangingPunct="1">
+              <a:lnSpc>
+                <a:spcPct val="90000"/>
+              </a:lnSpc>
+              <a:spcBef>
+                <a:spcPct val="0"/>
+              </a:spcBef>
+              <a:buNone/>
+              <a:defRPr sz="5400" kern="1200">
+                <a:solidFill>
+                  <a:schemeClr val="tx1"/>
+                </a:solidFill>
+                <a:latin typeface="CollegiateHeavyOutline" charset="0"/>
+                <a:ea typeface="CollegiateHeavyOutline" charset="0"/>
+                <a:cs typeface="CollegiateHeavyOutline" charset="0"/>
+              </a:defRPr>
+            </a:lvl1pPr>
+          </a:lstStyle>
           <a:p>
             <a:pPr algn="ctr"/>
             <a:r>
-              <a:rPr lang="de-DE" sz="2800" err="1" smtClean="0">
-                <a:latin typeface="Franklin Gothic Demi" charset="0"/>
-                <a:ea typeface="Franklin Gothic Demi" charset="0"/>
-                <a:cs typeface="Franklin Gothic Demi" charset="0"/>
+              <a:rPr lang="de-DE" sz="8000" b="1" dirty="0">
+                <a:solidFill>
+                  <a:schemeClr val="bg1"/>
+                </a:solidFill>
+                <a:latin typeface="Montserrat" panose="02000505000000020004" pitchFamily="2" charset="0"/>
               </a:rPr>
-              <a:t>Local</a:t>
-            </a:r>
-            <a:r>
-              <a:rPr lang="de-DE" sz="2800" dirty="0" smtClean="0">
-                <a:latin typeface="Franklin Gothic Demi" charset="0"/>
-                <a:ea typeface="Franklin Gothic Demi" charset="0"/>
-                <a:cs typeface="Franklin Gothic Demi" charset="0"/>
-              </a:rPr>
-              <a:t> Service</a:t>
-            </a:r>
-            <a:endParaRPr lang="de-DE" sz="2800" dirty="0">
-              <a:latin typeface="Franklin Gothic Demi" charset="0"/>
-              <a:ea typeface="Franklin Gothic Demi" charset="0"/>
-              <a:cs typeface="Franklin Gothic Demi" charset="0"/>
-            </a:endParaRPr>
-          </a:p>
-        </p:txBody>
-      </p:sp>
-      <p:sp>
-        <p:nvSpPr>
-          <p:cNvPr id="7" name="Eine Ecke des Rechtecks schneiden 6"/>
-          <p:cNvSpPr/>
-          <p:nvPr/>
-        </p:nvSpPr>
-        <p:spPr>
-          <a:xfrm>
-            <a:off x="3028507" y="3285572"/>
-            <a:ext cx="1977656" cy="1594884"/>
-          </a:xfrm>
-          <a:prstGeom prst="snip1Rect">
-            <a:avLst/>
-          </a:prstGeom>
-        </p:spPr>
-        <p:style>
-          <a:lnRef idx="2">
-            <a:schemeClr val="accent1">
-              <a:shade val="50000"/>
-            </a:schemeClr>
-          </a:lnRef>
-          <a:fillRef idx="1">
-            <a:schemeClr val="accent1"/>
-          </a:fillRef>
-          <a:effectRef idx="0">
-            <a:schemeClr val="accent1"/>
-          </a:effectRef>
-          <a:fontRef idx="minor">
-            <a:schemeClr val="lt1"/>
-          </a:fontRef>
-        </p:style>
-        <p:txBody>
-          <a:bodyPr rtlCol="0" anchor="ctr"/>
-          <a:lstStyle/>
-          <a:p>
-            <a:pPr algn="ctr"/>
-            <a:r>
-              <a:rPr lang="de-DE" sz="2800" dirty="0" smtClean="0">
-                <a:latin typeface="Franklin Gothic Demi" charset="0"/>
-                <a:ea typeface="Franklin Gothic Demi" charset="0"/>
-                <a:cs typeface="Franklin Gothic Demi" charset="0"/>
-              </a:rPr>
-              <a:t>Remote</a:t>
-            </a:r>
-          </a:p>
-          <a:p>
-            <a:pPr algn="ctr"/>
-            <a:r>
-              <a:rPr lang="de-DE" sz="2800" dirty="0" smtClean="0">
-                <a:latin typeface="Franklin Gothic Demi" charset="0"/>
-                <a:ea typeface="Franklin Gothic Demi" charset="0"/>
-                <a:cs typeface="Franklin Gothic Demi" charset="0"/>
-              </a:rPr>
-              <a:t>Service</a:t>
-            </a:r>
-            <a:endParaRPr lang="de-DE" sz="2800" dirty="0">
-              <a:latin typeface="Franklin Gothic Demi" charset="0"/>
-              <a:ea typeface="Franklin Gothic Demi" charset="0"/>
-              <a:cs typeface="Franklin Gothic Demi" charset="0"/>
-            </a:endParaRPr>
-          </a:p>
-        </p:txBody>
-      </p:sp>
-      <p:sp>
-        <p:nvSpPr>
-          <p:cNvPr id="8" name="Eine Ecke des Rechtecks schneiden 7"/>
-          <p:cNvSpPr/>
-          <p:nvPr/>
-        </p:nvSpPr>
-        <p:spPr>
-          <a:xfrm>
-            <a:off x="5006163" y="4904438"/>
-            <a:ext cx="1977656" cy="1594884"/>
-          </a:xfrm>
-          <a:prstGeom prst="snip1Rect">
-            <a:avLst/>
-          </a:prstGeom>
-        </p:spPr>
-        <p:style>
-          <a:lnRef idx="2">
-            <a:schemeClr val="accent1">
-              <a:shade val="50000"/>
-            </a:schemeClr>
-          </a:lnRef>
-          <a:fillRef idx="1">
-            <a:schemeClr val="accent1"/>
-          </a:fillRef>
-          <a:effectRef idx="0">
-            <a:schemeClr val="accent1"/>
-          </a:effectRef>
-          <a:fontRef idx="minor">
-            <a:schemeClr val="lt1"/>
-          </a:fontRef>
-        </p:style>
-        <p:txBody>
-          <a:bodyPr rtlCol="0" anchor="ctr"/>
-          <a:lstStyle/>
-          <a:p>
-            <a:pPr algn="ctr"/>
-            <a:r>
-              <a:rPr lang="de-DE" sz="2800" dirty="0" smtClean="0">
-                <a:latin typeface="Franklin Gothic Demi" charset="0"/>
-                <a:ea typeface="Franklin Gothic Demi" charset="0"/>
-                <a:cs typeface="Franklin Gothic Demi" charset="0"/>
-              </a:rPr>
-              <a:t>Software Rollout</a:t>
-            </a:r>
-            <a:endParaRPr lang="de-DE" sz="2800" dirty="0">
-              <a:latin typeface="Franklin Gothic Demi" charset="0"/>
-              <a:ea typeface="Franklin Gothic Demi" charset="0"/>
-              <a:cs typeface="Franklin Gothic Demi" charset="0"/>
-            </a:endParaRPr>
-          </a:p>
-        </p:txBody>
-      </p:sp>
-      <p:sp>
-        <p:nvSpPr>
-          <p:cNvPr id="9" name="Eine Ecke des Rechtecks schneiden 8"/>
-          <p:cNvSpPr/>
-          <p:nvPr/>
-        </p:nvSpPr>
-        <p:spPr>
-          <a:xfrm>
-            <a:off x="6983820" y="4904438"/>
-            <a:ext cx="1977656" cy="1594884"/>
-          </a:xfrm>
-          <a:prstGeom prst="snip1Rect">
-            <a:avLst/>
-          </a:prstGeom>
-        </p:spPr>
-        <p:style>
-          <a:lnRef idx="2">
-            <a:schemeClr val="accent1">
-              <a:shade val="50000"/>
-            </a:schemeClr>
-          </a:lnRef>
-          <a:fillRef idx="1">
-            <a:schemeClr val="accent1"/>
-          </a:fillRef>
-          <a:effectRef idx="0">
-            <a:schemeClr val="accent1"/>
-          </a:effectRef>
-          <a:fontRef idx="minor">
-            <a:schemeClr val="lt1"/>
-          </a:fontRef>
-        </p:style>
-        <p:txBody>
-          <a:bodyPr rtlCol="0" anchor="ctr"/>
-          <a:lstStyle/>
-          <a:p>
-            <a:pPr algn="ctr"/>
-            <a:r>
-              <a:rPr lang="de-DE" sz="2800" dirty="0" smtClean="0">
-                <a:latin typeface="Franklin Gothic Demi" charset="0"/>
-                <a:ea typeface="Franklin Gothic Demi" charset="0"/>
-                <a:cs typeface="Franklin Gothic Demi" charset="0"/>
-              </a:rPr>
-              <a:t>Share Economy</a:t>
-            </a:r>
-            <a:endParaRPr lang="de-DE" sz="2800" dirty="0">
-              <a:latin typeface="Franklin Gothic Demi" charset="0"/>
-              <a:ea typeface="Franklin Gothic Demi" charset="0"/>
-              <a:cs typeface="Franklin Gothic Demi" charset="0"/>
-            </a:endParaRPr>
-          </a:p>
-        </p:txBody>
-      </p:sp>
-      <p:sp>
-        <p:nvSpPr>
-          <p:cNvPr id="10" name="Eine Ecke des Rechtecks schneiden 9"/>
-          <p:cNvSpPr/>
-          <p:nvPr/>
-        </p:nvSpPr>
-        <p:spPr>
-          <a:xfrm>
-            <a:off x="8961476" y="4904438"/>
-            <a:ext cx="1977656" cy="1594884"/>
-          </a:xfrm>
-          <a:prstGeom prst="snip1Rect">
-            <a:avLst/>
-          </a:prstGeom>
-        </p:spPr>
-        <p:style>
-          <a:lnRef idx="2">
-            <a:schemeClr val="accent1">
-              <a:shade val="50000"/>
-            </a:schemeClr>
-          </a:lnRef>
-          <a:fillRef idx="1">
-            <a:schemeClr val="accent1"/>
-          </a:fillRef>
-          <a:effectRef idx="0">
-            <a:schemeClr val="accent1"/>
-          </a:effectRef>
-          <a:fontRef idx="minor">
-            <a:schemeClr val="lt1"/>
-          </a:fontRef>
-        </p:style>
-        <p:txBody>
-          <a:bodyPr rtlCol="0" anchor="ctr"/>
-          <a:lstStyle/>
-          <a:p>
-            <a:pPr algn="ctr"/>
-            <a:r>
-              <a:rPr lang="de-DE" sz="2800" dirty="0" smtClean="0">
-                <a:latin typeface="Franklin Gothic Demi" charset="0"/>
-                <a:ea typeface="Franklin Gothic Demi" charset="0"/>
-                <a:cs typeface="Franklin Gothic Demi" charset="0"/>
-              </a:rPr>
-              <a:t>Fleet Control</a:t>
-            </a:r>
-            <a:endParaRPr lang="de-DE" sz="2800" dirty="0">
-              <a:latin typeface="Franklin Gothic Demi" charset="0"/>
-              <a:ea typeface="Franklin Gothic Demi" charset="0"/>
-              <a:cs typeface="Franklin Gothic Demi" charset="0"/>
-            </a:endParaRPr>
-          </a:p>
-        </p:txBody>
-      </p:sp>
-      <p:cxnSp>
-        <p:nvCxnSpPr>
-          <p:cNvPr id="16" name="Gewinkelte Verbindung 15"/>
-          <p:cNvCxnSpPr/>
-          <p:nvPr/>
-        </p:nvCxnSpPr>
-        <p:spPr>
-          <a:xfrm rot="10800000">
-            <a:off x="5569694" y="2432058"/>
-            <a:ext cx="2402954" cy="32736"/>
-          </a:xfrm>
-          <a:prstGeom prst="bentConnector3">
-            <a:avLst>
-              <a:gd name="adj1" fmla="val 50000"/>
-            </a:avLst>
-          </a:prstGeom>
-          <a:ln w="57150">
-            <a:solidFill>
-              <a:schemeClr val="bg1">
-                <a:lumMod val="75000"/>
-              </a:schemeClr>
-            </a:solidFill>
-            <a:tailEnd type="triangle"/>
-          </a:ln>
-        </p:spPr>
-        <p:style>
-          <a:lnRef idx="1">
-            <a:schemeClr val="accent1"/>
-          </a:lnRef>
-          <a:fillRef idx="0">
-            <a:schemeClr val="accent1"/>
-          </a:fillRef>
-          <a:effectRef idx="0">
-            <a:schemeClr val="accent1"/>
-          </a:effectRef>
-          <a:fontRef idx="minor">
-            <a:schemeClr val="tx1"/>
-          </a:fontRef>
-        </p:style>
-      </p:cxnSp>
-      <p:cxnSp>
-        <p:nvCxnSpPr>
-          <p:cNvPr id="22" name="Gewinkelte Verbindung 21"/>
-          <p:cNvCxnSpPr/>
-          <p:nvPr/>
-        </p:nvCxnSpPr>
-        <p:spPr>
-          <a:xfrm rot="10800000" flipV="1">
-            <a:off x="5569694" y="2912105"/>
-            <a:ext cx="2402954" cy="1160084"/>
-          </a:xfrm>
-          <a:prstGeom prst="bentConnector3">
-            <a:avLst>
-              <a:gd name="adj1" fmla="val 50000"/>
-            </a:avLst>
-          </a:prstGeom>
-          <a:ln w="57150">
-            <a:solidFill>
-              <a:schemeClr val="bg1">
-                <a:lumMod val="75000"/>
-              </a:schemeClr>
-            </a:solidFill>
-            <a:prstDash val="sysDot"/>
-            <a:tailEnd type="triangle"/>
-          </a:ln>
-        </p:spPr>
-        <p:style>
-          <a:lnRef idx="1">
-            <a:schemeClr val="accent1"/>
-          </a:lnRef>
-          <a:fillRef idx="0">
-            <a:schemeClr val="accent1"/>
-          </a:fillRef>
-          <a:effectRef idx="0">
-            <a:schemeClr val="accent1"/>
-          </a:effectRef>
-          <a:fontRef idx="minor">
-            <a:schemeClr val="tx1"/>
-          </a:fontRef>
-        </p:style>
-      </p:cxnSp>
-      <p:cxnSp>
-        <p:nvCxnSpPr>
-          <p:cNvPr id="25" name="Gewinkelte Verbindung 24"/>
-          <p:cNvCxnSpPr/>
-          <p:nvPr/>
-        </p:nvCxnSpPr>
-        <p:spPr>
-          <a:xfrm rot="5400000">
-            <a:off x="7823287" y="3818466"/>
-            <a:ext cx="1211351" cy="912626"/>
-          </a:xfrm>
-          <a:prstGeom prst="bentConnector3">
-            <a:avLst>
-              <a:gd name="adj1" fmla="val 50000"/>
-            </a:avLst>
-          </a:prstGeom>
-          <a:ln w="57150">
-            <a:solidFill>
-              <a:schemeClr val="bg1">
-                <a:lumMod val="75000"/>
-              </a:schemeClr>
-            </a:solidFill>
-            <a:prstDash val="sysDot"/>
-            <a:tailEnd type="triangle"/>
-          </a:ln>
-        </p:spPr>
-        <p:style>
-          <a:lnRef idx="1">
-            <a:schemeClr val="accent1"/>
-          </a:lnRef>
-          <a:fillRef idx="0">
-            <a:schemeClr val="accent1"/>
-          </a:fillRef>
-          <a:effectRef idx="0">
-            <a:schemeClr val="accent1"/>
-          </a:effectRef>
-          <a:fontRef idx="minor">
-            <a:schemeClr val="tx1"/>
-          </a:fontRef>
-        </p:style>
-      </p:cxnSp>
-      <p:cxnSp>
-        <p:nvCxnSpPr>
-          <p:cNvPr id="27" name="Gewinkelte Verbindung 26"/>
-          <p:cNvCxnSpPr>
-            <a:stCxn id="4" idx="1"/>
-            <a:endCxn id="10" idx="3"/>
-          </p:cNvCxnSpPr>
-          <p:nvPr/>
-        </p:nvCxnSpPr>
-        <p:spPr>
-          <a:xfrm rot="5400000">
-            <a:off x="9465551" y="4184884"/>
-            <a:ext cx="1204308" cy="234801"/>
-          </a:xfrm>
-          <a:prstGeom prst="bentConnector3">
-            <a:avLst>
-              <a:gd name="adj1" fmla="val 50000"/>
-            </a:avLst>
-          </a:prstGeom>
-          <a:ln w="57150">
-            <a:solidFill>
-              <a:schemeClr val="bg1">
-                <a:lumMod val="75000"/>
-              </a:schemeClr>
-            </a:solidFill>
-            <a:prstDash val="sysDot"/>
-            <a:tailEnd type="triangle"/>
-          </a:ln>
-        </p:spPr>
-        <p:style>
-          <a:lnRef idx="1">
-            <a:schemeClr val="accent1"/>
-          </a:lnRef>
-          <a:fillRef idx="0">
-            <a:schemeClr val="accent1"/>
-          </a:fillRef>
-          <a:effectRef idx="0">
-            <a:schemeClr val="accent1"/>
-          </a:effectRef>
-          <a:fontRef idx="minor">
-            <a:schemeClr val="tx1"/>
-          </a:fontRef>
-        </p:style>
-      </p:cxnSp>
+              <a:t>SHOWCASE</a:t>
+            </a:r>
+          </a:p>
+        </p:txBody>
+      </p:sp>
     </p:spTree>
     <p:extLst>
       <p:ext uri="{BB962C8B-B14F-4D97-AF65-F5344CB8AC3E}">
-        <p14:creationId xmlns:p14="http://schemas.microsoft.com/office/powerpoint/2010/main" val="2113069826"/>
+        <p14:creationId xmlns:p14="http://schemas.microsoft.com/office/powerpoint/2010/main" val="2014603664"/>
       </p:ext>
     </p:extLst>
   </p:cSld>
@@ -3968,57 +3808,1060 @@
           <a:chExt cx="0" cy="0"/>
         </a:xfrm>
       </p:grpSpPr>
-      <p:sp>
-        <p:nvSpPr>
-          <p:cNvPr id="2" name="Titel 1"/>
-          <p:cNvSpPr>
-            <a:spLocks noGrp="1"/>
-          </p:cNvSpPr>
-          <p:nvPr>
-            <p:ph type="title"/>
-          </p:nvPr>
-        </p:nvSpPr>
-        <p:spPr/>
-        <p:txBody>
-          <a:bodyPr/>
-          <a:lstStyle/>
-          <a:p>
-            <a:r>
-              <a:rPr lang="de-DE" dirty="0" smtClean="0"/>
-              <a:t>Showcase</a:t>
-            </a:r>
-            <a:endParaRPr lang="de-DE" dirty="0"/>
-          </a:p>
-        </p:txBody>
-      </p:sp>
       <p:pic>
         <p:nvPicPr>
-          <p:cNvPr id="4" name="Bild 3"/>
+          <p:cNvPr id="28" name="Grafik 27"/>
           <p:cNvPicPr>
             <a:picLocks noChangeAspect="1"/>
           </p:cNvPicPr>
           <p:nvPr/>
         </p:nvPicPr>
-        <p:blipFill>
+        <p:blipFill rotWithShape="1">
           <a:blip r:embed="rId2"/>
-          <a:stretch>
-            <a:fillRect/>
-          </a:stretch>
+          <a:srcRect t="10187" b="13062"/>
+          <a:stretch/>
         </p:blipFill>
         <p:spPr>
           <a:xfrm>
-            <a:off x="2924179" y="2001925"/>
-            <a:ext cx="6343642" cy="4409508"/>
+            <a:off x="-12700" y="-167410"/>
+            <a:ext cx="12204700" cy="7025410"/>
           </a:xfrm>
           <a:prstGeom prst="rect">
             <a:avLst/>
           </a:prstGeom>
         </p:spPr>
       </p:pic>
+      <p:sp>
+        <p:nvSpPr>
+          <p:cNvPr id="42" name="Rechteck 41"/>
+          <p:cNvSpPr/>
+          <p:nvPr/>
+        </p:nvSpPr>
+        <p:spPr>
+          <a:xfrm>
+            <a:off x="0" y="-227133"/>
+            <a:ext cx="12204700" cy="7025409"/>
+          </a:xfrm>
+          <a:prstGeom prst="rect">
+            <a:avLst/>
+          </a:prstGeom>
+          <a:solidFill>
+            <a:schemeClr val="tx1">
+              <a:alpha val="31000"/>
+            </a:schemeClr>
+          </a:solidFill>
+        </p:spPr>
+        <p:style>
+          <a:lnRef idx="2">
+            <a:schemeClr val="accent1">
+              <a:shade val="50000"/>
+            </a:schemeClr>
+          </a:lnRef>
+          <a:fillRef idx="1">
+            <a:schemeClr val="accent1"/>
+          </a:fillRef>
+          <a:effectRef idx="0">
+            <a:schemeClr val="accent1"/>
+          </a:effectRef>
+          <a:fontRef idx="minor">
+            <a:schemeClr val="lt1"/>
+          </a:fontRef>
+        </p:style>
+        <p:txBody>
+          <a:bodyPr rtlCol="0" anchor="ctr"/>
+          <a:lstStyle/>
+          <a:p>
+            <a:pPr algn="ctr"/>
+            <a:endParaRPr lang="de-AT"/>
+          </a:p>
+        </p:txBody>
+      </p:sp>
+      <p:sp>
+        <p:nvSpPr>
+          <p:cNvPr id="30" name="Rechteck 29"/>
+          <p:cNvSpPr/>
+          <p:nvPr/>
+        </p:nvSpPr>
+        <p:spPr>
+          <a:xfrm>
+            <a:off x="-12700" y="-227133"/>
+            <a:ext cx="12204700" cy="1408233"/>
+          </a:xfrm>
+          <a:prstGeom prst="rect">
+            <a:avLst/>
+          </a:prstGeom>
+          <a:solidFill>
+            <a:srgbClr val="F73B4A"/>
+          </a:solidFill>
+          <a:ln>
+            <a:noFill/>
+          </a:ln>
+        </p:spPr>
+        <p:style>
+          <a:lnRef idx="2">
+            <a:schemeClr val="accent1">
+              <a:shade val="50000"/>
+            </a:schemeClr>
+          </a:lnRef>
+          <a:fillRef idx="1">
+            <a:schemeClr val="accent1"/>
+          </a:fillRef>
+          <a:effectRef idx="0">
+            <a:schemeClr val="accent1"/>
+          </a:effectRef>
+          <a:fontRef idx="minor">
+            <a:schemeClr val="lt1"/>
+          </a:fontRef>
+        </p:style>
+        <p:txBody>
+          <a:bodyPr rtlCol="0" anchor="ctr"/>
+          <a:lstStyle/>
+          <a:p>
+            <a:pPr algn="ctr"/>
+            <a:endParaRPr lang="de-AT"/>
+          </a:p>
+        </p:txBody>
+      </p:sp>
+      <p:sp>
+        <p:nvSpPr>
+          <p:cNvPr id="2" name="Titel 1"/>
+          <p:cNvSpPr>
+            <a:spLocks noGrp="1"/>
+          </p:cNvSpPr>
+          <p:nvPr>
+            <p:ph type="title"/>
+          </p:nvPr>
+        </p:nvSpPr>
+        <p:spPr>
+          <a:xfrm>
+            <a:off x="0" y="-167411"/>
+            <a:ext cx="12192000" cy="1348511"/>
+          </a:xfrm>
+        </p:spPr>
+        <p:txBody>
+          <a:bodyPr/>
+          <a:lstStyle/>
+          <a:p>
+            <a:pPr algn="ctr"/>
+            <a:r>
+              <a:rPr lang="de-DE" sz="4800" b="1" dirty="0">
+                <a:solidFill>
+                  <a:schemeClr val="bg1"/>
+                </a:solidFill>
+                <a:latin typeface="Montserrat" panose="02000505000000020004" pitchFamily="2" charset="0"/>
+              </a:rPr>
+              <a:t>BENEFITS</a:t>
+            </a:r>
+          </a:p>
+        </p:txBody>
+      </p:sp>
+      <p:sp>
+        <p:nvSpPr>
+          <p:cNvPr id="45" name="Pfeil: Fünfeck 44"/>
+          <p:cNvSpPr/>
+          <p:nvPr/>
+        </p:nvSpPr>
+        <p:spPr>
+          <a:xfrm>
+            <a:off x="1574800" y="1684789"/>
+            <a:ext cx="3213736" cy="991020"/>
+          </a:xfrm>
+          <a:prstGeom prst="homePlate">
+            <a:avLst/>
+          </a:prstGeom>
+          <a:solidFill>
+            <a:srgbClr val="F73B4A"/>
+          </a:solidFill>
+          <a:ln>
+            <a:noFill/>
+          </a:ln>
+        </p:spPr>
+        <p:style>
+          <a:lnRef idx="2">
+            <a:schemeClr val="accent1">
+              <a:shade val="50000"/>
+            </a:schemeClr>
+          </a:lnRef>
+          <a:fillRef idx="1">
+            <a:schemeClr val="accent1"/>
+          </a:fillRef>
+          <a:effectRef idx="0">
+            <a:schemeClr val="accent1"/>
+          </a:effectRef>
+          <a:fontRef idx="minor">
+            <a:schemeClr val="lt1"/>
+          </a:fontRef>
+        </p:style>
+        <p:txBody>
+          <a:bodyPr rtlCol="0" anchor="ctr"/>
+          <a:lstStyle/>
+          <a:p>
+            <a:pPr algn="ctr"/>
+            <a:r>
+              <a:rPr lang="de-AT" sz="2800" dirty="0" err="1">
+                <a:latin typeface="Montserrat" panose="02000505000000020004" pitchFamily="2" charset="0"/>
+              </a:rPr>
+              <a:t>Local</a:t>
+            </a:r>
+            <a:r>
+              <a:rPr lang="de-AT" sz="2800" dirty="0">
+                <a:latin typeface="Montserrat" panose="02000505000000020004" pitchFamily="2" charset="0"/>
+              </a:rPr>
+              <a:t> Support</a:t>
+            </a:r>
+          </a:p>
+        </p:txBody>
+      </p:sp>
+      <p:sp>
+        <p:nvSpPr>
+          <p:cNvPr id="46" name="Pfeil: Fünfeck 45"/>
+          <p:cNvSpPr/>
+          <p:nvPr/>
+        </p:nvSpPr>
+        <p:spPr>
+          <a:xfrm>
+            <a:off x="1574800" y="2841031"/>
+            <a:ext cx="3213736" cy="991020"/>
+          </a:xfrm>
+          <a:prstGeom prst="homePlate">
+            <a:avLst/>
+          </a:prstGeom>
+          <a:solidFill>
+            <a:srgbClr val="F73B4A"/>
+          </a:solidFill>
+          <a:ln>
+            <a:noFill/>
+          </a:ln>
+        </p:spPr>
+        <p:style>
+          <a:lnRef idx="2">
+            <a:schemeClr val="accent1">
+              <a:shade val="50000"/>
+            </a:schemeClr>
+          </a:lnRef>
+          <a:fillRef idx="1">
+            <a:schemeClr val="accent1"/>
+          </a:fillRef>
+          <a:effectRef idx="0">
+            <a:schemeClr val="accent1"/>
+          </a:effectRef>
+          <a:fontRef idx="minor">
+            <a:schemeClr val="lt1"/>
+          </a:fontRef>
+        </p:style>
+        <p:txBody>
+          <a:bodyPr rtlCol="0" anchor="ctr"/>
+          <a:lstStyle/>
+          <a:p>
+            <a:pPr algn="ctr"/>
+            <a:r>
+              <a:rPr lang="de-AT" sz="2400" dirty="0">
+                <a:latin typeface="Montserrat" panose="02000505000000020004" pitchFamily="2" charset="0"/>
+              </a:rPr>
+              <a:t>Remote Support</a:t>
+            </a:r>
+          </a:p>
+        </p:txBody>
+      </p:sp>
+      <p:sp>
+        <p:nvSpPr>
+          <p:cNvPr id="49" name="Rechteck 48"/>
+          <p:cNvSpPr/>
+          <p:nvPr/>
+        </p:nvSpPr>
+        <p:spPr>
+          <a:xfrm>
+            <a:off x="-12700" y="4533900"/>
+            <a:ext cx="12230100" cy="2324100"/>
+          </a:xfrm>
+          <a:prstGeom prst="rect">
+            <a:avLst/>
+          </a:prstGeom>
+          <a:solidFill>
+            <a:srgbClr val="F73B4A">
+              <a:alpha val="75000"/>
+            </a:srgbClr>
+          </a:solidFill>
+        </p:spPr>
+        <p:style>
+          <a:lnRef idx="2">
+            <a:schemeClr val="accent1">
+              <a:shade val="50000"/>
+            </a:schemeClr>
+          </a:lnRef>
+          <a:fillRef idx="1">
+            <a:schemeClr val="accent1"/>
+          </a:fillRef>
+          <a:effectRef idx="0">
+            <a:schemeClr val="accent1"/>
+          </a:effectRef>
+          <a:fontRef idx="minor">
+            <a:schemeClr val="lt1"/>
+          </a:fontRef>
+        </p:style>
+        <p:txBody>
+          <a:bodyPr rtlCol="0" anchor="ctr"/>
+          <a:lstStyle/>
+          <a:p>
+            <a:pPr algn="ctr"/>
+            <a:endParaRPr lang="de-AT"/>
+          </a:p>
+        </p:txBody>
+      </p:sp>
+      <p:sp>
+        <p:nvSpPr>
+          <p:cNvPr id="48" name="Pfeil: Fünfeck 47"/>
+          <p:cNvSpPr/>
+          <p:nvPr/>
+        </p:nvSpPr>
+        <p:spPr>
+          <a:xfrm flipH="1">
+            <a:off x="8362950" y="4799921"/>
+            <a:ext cx="3009900" cy="638870"/>
+          </a:xfrm>
+          <a:prstGeom prst="homePlate">
+            <a:avLst/>
+          </a:prstGeom>
+          <a:noFill/>
+          <a:ln w="47625">
+            <a:solidFill>
+              <a:schemeClr val="bg1"/>
+            </a:solidFill>
+          </a:ln>
+        </p:spPr>
+        <p:style>
+          <a:lnRef idx="2">
+            <a:schemeClr val="accent1">
+              <a:shade val="50000"/>
+            </a:schemeClr>
+          </a:lnRef>
+          <a:fillRef idx="1">
+            <a:schemeClr val="accent1"/>
+          </a:fillRef>
+          <a:effectRef idx="0">
+            <a:schemeClr val="accent1"/>
+          </a:effectRef>
+          <a:fontRef idx="minor">
+            <a:schemeClr val="lt1"/>
+          </a:fontRef>
+        </p:style>
+        <p:txBody>
+          <a:bodyPr rtlCol="0" anchor="ctr"/>
+          <a:lstStyle/>
+          <a:p>
+            <a:pPr algn="ctr"/>
+            <a:r>
+              <a:rPr lang="de-AT" sz="2400" dirty="0">
+                <a:latin typeface="Montserrat" panose="02000505000000020004" pitchFamily="2" charset="0"/>
+              </a:rPr>
+              <a:t>Software Rollout</a:t>
+            </a:r>
+          </a:p>
+        </p:txBody>
+      </p:sp>
+      <p:sp>
+        <p:nvSpPr>
+          <p:cNvPr id="52" name="Pfeil: Fünfeck 51"/>
+          <p:cNvSpPr/>
+          <p:nvPr/>
+        </p:nvSpPr>
+        <p:spPr>
+          <a:xfrm flipH="1">
+            <a:off x="8362950" y="5738915"/>
+            <a:ext cx="3009900" cy="638870"/>
+          </a:xfrm>
+          <a:prstGeom prst="homePlate">
+            <a:avLst/>
+          </a:prstGeom>
+          <a:noFill/>
+          <a:ln w="47625">
+            <a:solidFill>
+              <a:schemeClr val="bg1"/>
+            </a:solidFill>
+          </a:ln>
+        </p:spPr>
+        <p:style>
+          <a:lnRef idx="2">
+            <a:schemeClr val="accent1">
+              <a:shade val="50000"/>
+            </a:schemeClr>
+          </a:lnRef>
+          <a:fillRef idx="1">
+            <a:schemeClr val="accent1"/>
+          </a:fillRef>
+          <a:effectRef idx="0">
+            <a:schemeClr val="accent1"/>
+          </a:effectRef>
+          <a:fontRef idx="minor">
+            <a:schemeClr val="lt1"/>
+          </a:fontRef>
+        </p:style>
+        <p:txBody>
+          <a:bodyPr rtlCol="0" anchor="ctr"/>
+          <a:lstStyle/>
+          <a:p>
+            <a:pPr algn="ctr"/>
+            <a:r>
+              <a:rPr lang="de-AT" sz="2400" dirty="0">
+                <a:latin typeface="Montserrat" panose="02000505000000020004" pitchFamily="2" charset="0"/>
+              </a:rPr>
+              <a:t>Share Economy</a:t>
+            </a:r>
+          </a:p>
+        </p:txBody>
+      </p:sp>
+      <p:sp>
+        <p:nvSpPr>
+          <p:cNvPr id="56" name="Flussdiagramm: Prozess 55"/>
+          <p:cNvSpPr/>
+          <p:nvPr/>
+        </p:nvSpPr>
+        <p:spPr>
+          <a:xfrm>
+            <a:off x="5207045" y="2134249"/>
+            <a:ext cx="4444955" cy="1168348"/>
+          </a:xfrm>
+          <a:prstGeom prst="flowChartProcess">
+            <a:avLst/>
+          </a:prstGeom>
+          <a:noFill/>
+          <a:ln w="47625">
+            <a:solidFill>
+              <a:schemeClr val="bg1"/>
+            </a:solidFill>
+          </a:ln>
+        </p:spPr>
+        <p:style>
+          <a:lnRef idx="2">
+            <a:schemeClr val="accent1">
+              <a:shade val="50000"/>
+            </a:schemeClr>
+          </a:lnRef>
+          <a:fillRef idx="1">
+            <a:schemeClr val="accent1"/>
+          </a:fillRef>
+          <a:effectRef idx="0">
+            <a:schemeClr val="accent1"/>
+          </a:effectRef>
+          <a:fontRef idx="minor">
+            <a:schemeClr val="lt1"/>
+          </a:fontRef>
+        </p:style>
+        <p:txBody>
+          <a:bodyPr rtlCol="0" anchor="ctr"/>
+          <a:lstStyle/>
+          <a:p>
+            <a:pPr algn="ctr"/>
+            <a:r>
+              <a:rPr lang="de-AT" sz="4000" dirty="0" err="1">
+                <a:latin typeface="Montserrat" panose="02000505000000020004" pitchFamily="2" charset="0"/>
+              </a:rPr>
+              <a:t>Efficient</a:t>
+            </a:r>
+            <a:r>
+              <a:rPr lang="de-AT" sz="4000" dirty="0">
+                <a:latin typeface="Montserrat" panose="02000505000000020004" pitchFamily="2" charset="0"/>
+              </a:rPr>
+              <a:t> Service</a:t>
+            </a:r>
+          </a:p>
+        </p:txBody>
+      </p:sp>
+      <p:sp>
+        <p:nvSpPr>
+          <p:cNvPr id="57" name="Flussdiagramm: Prozess 56"/>
+          <p:cNvSpPr/>
+          <p:nvPr/>
+        </p:nvSpPr>
+        <p:spPr>
+          <a:xfrm>
+            <a:off x="2171745" y="4993216"/>
+            <a:ext cx="4737055" cy="1168348"/>
+          </a:xfrm>
+          <a:prstGeom prst="flowChartProcess">
+            <a:avLst/>
+          </a:prstGeom>
+          <a:noFill/>
+          <a:ln w="47625">
+            <a:solidFill>
+              <a:schemeClr val="bg1"/>
+            </a:solidFill>
+          </a:ln>
+        </p:spPr>
+        <p:style>
+          <a:lnRef idx="2">
+            <a:schemeClr val="accent1">
+              <a:shade val="50000"/>
+            </a:schemeClr>
+          </a:lnRef>
+          <a:fillRef idx="1">
+            <a:schemeClr val="accent1"/>
+          </a:fillRef>
+          <a:effectRef idx="0">
+            <a:schemeClr val="accent1"/>
+          </a:effectRef>
+          <a:fontRef idx="minor">
+            <a:schemeClr val="lt1"/>
+          </a:fontRef>
+        </p:style>
+        <p:txBody>
+          <a:bodyPr rtlCol="0" anchor="ctr"/>
+          <a:lstStyle/>
+          <a:p>
+            <a:pPr algn="ctr"/>
+            <a:r>
+              <a:rPr lang="de-AT" sz="4000" dirty="0">
+                <a:latin typeface="Montserrat" panose="02000505000000020004" pitchFamily="2" charset="0"/>
+              </a:rPr>
+              <a:t>Future Proof</a:t>
+            </a:r>
+          </a:p>
+        </p:txBody>
+      </p:sp>
     </p:spTree>
     <p:extLst>
       <p:ext uri="{BB962C8B-B14F-4D97-AF65-F5344CB8AC3E}">
-        <p14:creationId xmlns:p14="http://schemas.microsoft.com/office/powerpoint/2010/main" val="2014603664"/>
+        <p14:creationId xmlns:p14="http://schemas.microsoft.com/office/powerpoint/2010/main" val="2113069826"/>
+      </p:ext>
+    </p:extLst>
+  </p:cSld>
+  <p:clrMapOvr>
+    <a:masterClrMapping/>
+  </p:clrMapOvr>
+</p:sld>
+</file>
+
+<file path=ppt/slides/slide5.xml><?xml version="1.0" encoding="utf-8"?>
+<p:sld xmlns:a="http://schemas.openxmlformats.org/drawingml/2006/main" xmlns:r="http://schemas.openxmlformats.org/officeDocument/2006/relationships" xmlns:p="http://schemas.openxmlformats.org/presentationml/2006/main">
+  <p:cSld>
+    <p:spTree>
+      <p:nvGrpSpPr>
+        <p:cNvPr id="1" name=""/>
+        <p:cNvGrpSpPr/>
+        <p:nvPr/>
+      </p:nvGrpSpPr>
+      <p:grpSpPr>
+        <a:xfrm>
+          <a:off x="0" y="0"/>
+          <a:ext cx="0" cy="0"/>
+          <a:chOff x="0" y="0"/>
+          <a:chExt cx="0" cy="0"/>
+        </a:xfrm>
+      </p:grpSpPr>
+      <p:pic>
+        <p:nvPicPr>
+          <p:cNvPr id="28" name="Grafik 27"/>
+          <p:cNvPicPr>
+            <a:picLocks noChangeAspect="1"/>
+          </p:cNvPicPr>
+          <p:nvPr/>
+        </p:nvPicPr>
+        <p:blipFill rotWithShape="1">
+          <a:blip r:embed="rId2"/>
+          <a:srcRect t="10187" b="13062"/>
+          <a:stretch/>
+        </p:blipFill>
+        <p:spPr>
+          <a:xfrm>
+            <a:off x="-12700" y="-167410"/>
+            <a:ext cx="12204700" cy="7025410"/>
+          </a:xfrm>
+          <a:prstGeom prst="rect">
+            <a:avLst/>
+          </a:prstGeom>
+        </p:spPr>
+      </p:pic>
+      <p:sp>
+        <p:nvSpPr>
+          <p:cNvPr id="42" name="Rechteck 41"/>
+          <p:cNvSpPr/>
+          <p:nvPr/>
+        </p:nvSpPr>
+        <p:spPr>
+          <a:xfrm>
+            <a:off x="0" y="-227133"/>
+            <a:ext cx="12204700" cy="7025409"/>
+          </a:xfrm>
+          <a:prstGeom prst="rect">
+            <a:avLst/>
+          </a:prstGeom>
+          <a:solidFill>
+            <a:schemeClr val="tx1">
+              <a:alpha val="31000"/>
+            </a:schemeClr>
+          </a:solidFill>
+        </p:spPr>
+        <p:style>
+          <a:lnRef idx="2">
+            <a:schemeClr val="accent1">
+              <a:shade val="50000"/>
+            </a:schemeClr>
+          </a:lnRef>
+          <a:fillRef idx="1">
+            <a:schemeClr val="accent1"/>
+          </a:fillRef>
+          <a:effectRef idx="0">
+            <a:schemeClr val="accent1"/>
+          </a:effectRef>
+          <a:fontRef idx="minor">
+            <a:schemeClr val="lt1"/>
+          </a:fontRef>
+        </p:style>
+        <p:txBody>
+          <a:bodyPr rtlCol="0" anchor="ctr"/>
+          <a:lstStyle/>
+          <a:p>
+            <a:pPr algn="ctr"/>
+            <a:endParaRPr lang="de-AT"/>
+          </a:p>
+        </p:txBody>
+      </p:sp>
+      <p:sp>
+        <p:nvSpPr>
+          <p:cNvPr id="30" name="Rechteck 29"/>
+          <p:cNvSpPr/>
+          <p:nvPr/>
+        </p:nvSpPr>
+        <p:spPr>
+          <a:xfrm>
+            <a:off x="-12700" y="-227133"/>
+            <a:ext cx="12204700" cy="1408233"/>
+          </a:xfrm>
+          <a:prstGeom prst="rect">
+            <a:avLst/>
+          </a:prstGeom>
+          <a:solidFill>
+            <a:srgbClr val="F73B4A"/>
+          </a:solidFill>
+          <a:ln>
+            <a:noFill/>
+          </a:ln>
+        </p:spPr>
+        <p:style>
+          <a:lnRef idx="2">
+            <a:schemeClr val="accent1">
+              <a:shade val="50000"/>
+            </a:schemeClr>
+          </a:lnRef>
+          <a:fillRef idx="1">
+            <a:schemeClr val="accent1"/>
+          </a:fillRef>
+          <a:effectRef idx="0">
+            <a:schemeClr val="accent1"/>
+          </a:effectRef>
+          <a:fontRef idx="minor">
+            <a:schemeClr val="lt1"/>
+          </a:fontRef>
+        </p:style>
+        <p:txBody>
+          <a:bodyPr rtlCol="0" anchor="ctr"/>
+          <a:lstStyle/>
+          <a:p>
+            <a:pPr algn="ctr"/>
+            <a:endParaRPr lang="de-AT"/>
+          </a:p>
+        </p:txBody>
+      </p:sp>
+      <p:sp>
+        <p:nvSpPr>
+          <p:cNvPr id="2" name="Titel 1"/>
+          <p:cNvSpPr>
+            <a:spLocks noGrp="1"/>
+          </p:cNvSpPr>
+          <p:nvPr>
+            <p:ph type="title"/>
+          </p:nvPr>
+        </p:nvSpPr>
+        <p:spPr>
+          <a:xfrm>
+            <a:off x="0" y="-167411"/>
+            <a:ext cx="12192000" cy="1348511"/>
+          </a:xfrm>
+        </p:spPr>
+        <p:txBody>
+          <a:bodyPr/>
+          <a:lstStyle/>
+          <a:p>
+            <a:pPr algn="ctr"/>
+            <a:r>
+              <a:rPr lang="de-DE" sz="4800" b="1" dirty="0">
+                <a:solidFill>
+                  <a:schemeClr val="bg1"/>
+                </a:solidFill>
+                <a:latin typeface="Montserrat" panose="02000505000000020004" pitchFamily="2" charset="0"/>
+              </a:rPr>
+              <a:t>ZUSATZINFOS</a:t>
+            </a:r>
+          </a:p>
+        </p:txBody>
+      </p:sp>
+      <p:sp>
+        <p:nvSpPr>
+          <p:cNvPr id="45" name="Pfeil: Fünfeck 44"/>
+          <p:cNvSpPr/>
+          <p:nvPr/>
+        </p:nvSpPr>
+        <p:spPr>
+          <a:xfrm>
+            <a:off x="1574800" y="1684789"/>
+            <a:ext cx="3213736" cy="991020"/>
+          </a:xfrm>
+          <a:prstGeom prst="homePlate">
+            <a:avLst/>
+          </a:prstGeom>
+          <a:solidFill>
+            <a:srgbClr val="F73B4A"/>
+          </a:solidFill>
+          <a:ln>
+            <a:noFill/>
+          </a:ln>
+        </p:spPr>
+        <p:style>
+          <a:lnRef idx="2">
+            <a:schemeClr val="accent1">
+              <a:shade val="50000"/>
+            </a:schemeClr>
+          </a:lnRef>
+          <a:fillRef idx="1">
+            <a:schemeClr val="accent1"/>
+          </a:fillRef>
+          <a:effectRef idx="0">
+            <a:schemeClr val="accent1"/>
+          </a:effectRef>
+          <a:fontRef idx="minor">
+            <a:schemeClr val="lt1"/>
+          </a:fontRef>
+        </p:style>
+        <p:txBody>
+          <a:bodyPr rtlCol="0" anchor="ctr"/>
+          <a:lstStyle/>
+          <a:p>
+            <a:pPr algn="ctr"/>
+            <a:r>
+              <a:rPr lang="de-AT" sz="2800" dirty="0" err="1">
+                <a:latin typeface="Montserrat" panose="02000505000000020004" pitchFamily="2" charset="0"/>
+              </a:rPr>
+              <a:t>Local</a:t>
+            </a:r>
+            <a:r>
+              <a:rPr lang="de-AT" sz="2800" dirty="0">
+                <a:latin typeface="Montserrat" panose="02000505000000020004" pitchFamily="2" charset="0"/>
+              </a:rPr>
+              <a:t> Support</a:t>
+            </a:r>
+          </a:p>
+        </p:txBody>
+      </p:sp>
+      <p:sp>
+        <p:nvSpPr>
+          <p:cNvPr id="46" name="Pfeil: Fünfeck 45"/>
+          <p:cNvSpPr/>
+          <p:nvPr/>
+        </p:nvSpPr>
+        <p:spPr>
+          <a:xfrm>
+            <a:off x="1574800" y="2841031"/>
+            <a:ext cx="3213736" cy="991020"/>
+          </a:xfrm>
+          <a:prstGeom prst="homePlate">
+            <a:avLst/>
+          </a:prstGeom>
+          <a:solidFill>
+            <a:srgbClr val="F73B4A"/>
+          </a:solidFill>
+          <a:ln>
+            <a:noFill/>
+          </a:ln>
+        </p:spPr>
+        <p:style>
+          <a:lnRef idx="2">
+            <a:schemeClr val="accent1">
+              <a:shade val="50000"/>
+            </a:schemeClr>
+          </a:lnRef>
+          <a:fillRef idx="1">
+            <a:schemeClr val="accent1"/>
+          </a:fillRef>
+          <a:effectRef idx="0">
+            <a:schemeClr val="accent1"/>
+          </a:effectRef>
+          <a:fontRef idx="minor">
+            <a:schemeClr val="lt1"/>
+          </a:fontRef>
+        </p:style>
+        <p:txBody>
+          <a:bodyPr rtlCol="0" anchor="ctr"/>
+          <a:lstStyle/>
+          <a:p>
+            <a:pPr algn="ctr"/>
+            <a:r>
+              <a:rPr lang="de-AT" sz="2400" dirty="0">
+                <a:latin typeface="Montserrat" panose="02000505000000020004" pitchFamily="2" charset="0"/>
+              </a:rPr>
+              <a:t>Remote Support</a:t>
+            </a:r>
+          </a:p>
+        </p:txBody>
+      </p:sp>
+      <p:sp>
+        <p:nvSpPr>
+          <p:cNvPr id="49" name="Rechteck 48"/>
+          <p:cNvSpPr/>
+          <p:nvPr/>
+        </p:nvSpPr>
+        <p:spPr>
+          <a:xfrm>
+            <a:off x="-12700" y="4533900"/>
+            <a:ext cx="12230100" cy="2324100"/>
+          </a:xfrm>
+          <a:prstGeom prst="rect">
+            <a:avLst/>
+          </a:prstGeom>
+          <a:solidFill>
+            <a:srgbClr val="F73B4A">
+              <a:alpha val="75000"/>
+            </a:srgbClr>
+          </a:solidFill>
+        </p:spPr>
+        <p:style>
+          <a:lnRef idx="2">
+            <a:schemeClr val="accent1">
+              <a:shade val="50000"/>
+            </a:schemeClr>
+          </a:lnRef>
+          <a:fillRef idx="1">
+            <a:schemeClr val="accent1"/>
+          </a:fillRef>
+          <a:effectRef idx="0">
+            <a:schemeClr val="accent1"/>
+          </a:effectRef>
+          <a:fontRef idx="minor">
+            <a:schemeClr val="lt1"/>
+          </a:fontRef>
+        </p:style>
+        <p:txBody>
+          <a:bodyPr rtlCol="0" anchor="ctr"/>
+          <a:lstStyle/>
+          <a:p>
+            <a:pPr algn="ctr"/>
+            <a:endParaRPr lang="de-AT"/>
+          </a:p>
+        </p:txBody>
+      </p:sp>
+      <p:sp>
+        <p:nvSpPr>
+          <p:cNvPr id="48" name="Pfeil: Fünfeck 47"/>
+          <p:cNvSpPr/>
+          <p:nvPr/>
+        </p:nvSpPr>
+        <p:spPr>
+          <a:xfrm flipH="1">
+            <a:off x="8362950" y="4799921"/>
+            <a:ext cx="3009900" cy="638870"/>
+          </a:xfrm>
+          <a:prstGeom prst="homePlate">
+            <a:avLst/>
+          </a:prstGeom>
+          <a:noFill/>
+          <a:ln w="47625">
+            <a:solidFill>
+              <a:schemeClr val="bg1"/>
+            </a:solidFill>
+          </a:ln>
+        </p:spPr>
+        <p:style>
+          <a:lnRef idx="2">
+            <a:schemeClr val="accent1">
+              <a:shade val="50000"/>
+            </a:schemeClr>
+          </a:lnRef>
+          <a:fillRef idx="1">
+            <a:schemeClr val="accent1"/>
+          </a:fillRef>
+          <a:effectRef idx="0">
+            <a:schemeClr val="accent1"/>
+          </a:effectRef>
+          <a:fontRef idx="minor">
+            <a:schemeClr val="lt1"/>
+          </a:fontRef>
+        </p:style>
+        <p:txBody>
+          <a:bodyPr rtlCol="0" anchor="ctr"/>
+          <a:lstStyle/>
+          <a:p>
+            <a:pPr algn="ctr"/>
+            <a:r>
+              <a:rPr lang="de-AT" sz="2400" dirty="0">
+                <a:latin typeface="Montserrat" panose="02000505000000020004" pitchFamily="2" charset="0"/>
+              </a:rPr>
+              <a:t>Software Rollout</a:t>
+            </a:r>
+          </a:p>
+        </p:txBody>
+      </p:sp>
+      <p:sp>
+        <p:nvSpPr>
+          <p:cNvPr id="52" name="Pfeil: Fünfeck 51"/>
+          <p:cNvSpPr/>
+          <p:nvPr/>
+        </p:nvSpPr>
+        <p:spPr>
+          <a:xfrm flipH="1">
+            <a:off x="8362950" y="5738915"/>
+            <a:ext cx="3009900" cy="638870"/>
+          </a:xfrm>
+          <a:prstGeom prst="homePlate">
+            <a:avLst/>
+          </a:prstGeom>
+          <a:noFill/>
+          <a:ln w="47625">
+            <a:solidFill>
+              <a:schemeClr val="bg1"/>
+            </a:solidFill>
+          </a:ln>
+        </p:spPr>
+        <p:style>
+          <a:lnRef idx="2">
+            <a:schemeClr val="accent1">
+              <a:shade val="50000"/>
+            </a:schemeClr>
+          </a:lnRef>
+          <a:fillRef idx="1">
+            <a:schemeClr val="accent1"/>
+          </a:fillRef>
+          <a:effectRef idx="0">
+            <a:schemeClr val="accent1"/>
+          </a:effectRef>
+          <a:fontRef idx="minor">
+            <a:schemeClr val="lt1"/>
+          </a:fontRef>
+        </p:style>
+        <p:txBody>
+          <a:bodyPr rtlCol="0" anchor="ctr"/>
+          <a:lstStyle/>
+          <a:p>
+            <a:pPr algn="ctr"/>
+            <a:r>
+              <a:rPr lang="de-AT" sz="2400" dirty="0">
+                <a:latin typeface="Montserrat" panose="02000505000000020004" pitchFamily="2" charset="0"/>
+              </a:rPr>
+              <a:t>Share Economy</a:t>
+            </a:r>
+          </a:p>
+        </p:txBody>
+      </p:sp>
+      <p:sp>
+        <p:nvSpPr>
+          <p:cNvPr id="56" name="Flussdiagramm: Prozess 55"/>
+          <p:cNvSpPr/>
+          <p:nvPr/>
+        </p:nvSpPr>
+        <p:spPr>
+          <a:xfrm>
+            <a:off x="5207045" y="2134249"/>
+            <a:ext cx="4444955" cy="1168348"/>
+          </a:xfrm>
+          <a:prstGeom prst="flowChartProcess">
+            <a:avLst/>
+          </a:prstGeom>
+          <a:noFill/>
+          <a:ln w="47625">
+            <a:solidFill>
+              <a:schemeClr val="bg1"/>
+            </a:solidFill>
+          </a:ln>
+        </p:spPr>
+        <p:style>
+          <a:lnRef idx="2">
+            <a:schemeClr val="accent1">
+              <a:shade val="50000"/>
+            </a:schemeClr>
+          </a:lnRef>
+          <a:fillRef idx="1">
+            <a:schemeClr val="accent1"/>
+          </a:fillRef>
+          <a:effectRef idx="0">
+            <a:schemeClr val="accent1"/>
+          </a:effectRef>
+          <a:fontRef idx="minor">
+            <a:schemeClr val="lt1"/>
+          </a:fontRef>
+        </p:style>
+        <p:txBody>
+          <a:bodyPr rtlCol="0" anchor="ctr"/>
+          <a:lstStyle/>
+          <a:p>
+            <a:pPr algn="ctr"/>
+            <a:r>
+              <a:rPr lang="de-AT" sz="4000" dirty="0" err="1">
+                <a:latin typeface="Montserrat" panose="02000505000000020004" pitchFamily="2" charset="0"/>
+              </a:rPr>
+              <a:t>Efficient</a:t>
+            </a:r>
+            <a:r>
+              <a:rPr lang="de-AT" sz="4000" dirty="0">
+                <a:latin typeface="Montserrat" panose="02000505000000020004" pitchFamily="2" charset="0"/>
+              </a:rPr>
+              <a:t> Service</a:t>
+            </a:r>
+          </a:p>
+        </p:txBody>
+      </p:sp>
+      <p:sp>
+        <p:nvSpPr>
+          <p:cNvPr id="57" name="Flussdiagramm: Prozess 56"/>
+          <p:cNvSpPr/>
+          <p:nvPr/>
+        </p:nvSpPr>
+        <p:spPr>
+          <a:xfrm>
+            <a:off x="2171745" y="4993216"/>
+            <a:ext cx="4737055" cy="1168348"/>
+          </a:xfrm>
+          <a:prstGeom prst="flowChartProcess">
+            <a:avLst/>
+          </a:prstGeom>
+          <a:noFill/>
+          <a:ln w="47625">
+            <a:solidFill>
+              <a:schemeClr val="bg1"/>
+            </a:solidFill>
+          </a:ln>
+        </p:spPr>
+        <p:style>
+          <a:lnRef idx="2">
+            <a:schemeClr val="accent1">
+              <a:shade val="50000"/>
+            </a:schemeClr>
+          </a:lnRef>
+          <a:fillRef idx="1">
+            <a:schemeClr val="accent1"/>
+          </a:fillRef>
+          <a:effectRef idx="0">
+            <a:schemeClr val="accent1"/>
+          </a:effectRef>
+          <a:fontRef idx="minor">
+            <a:schemeClr val="lt1"/>
+          </a:fontRef>
+        </p:style>
+        <p:txBody>
+          <a:bodyPr rtlCol="0" anchor="ctr"/>
+          <a:lstStyle/>
+          <a:p>
+            <a:pPr algn="ctr"/>
+            <a:r>
+              <a:rPr lang="de-AT" sz="4000" dirty="0">
+                <a:latin typeface="Montserrat" panose="02000505000000020004" pitchFamily="2" charset="0"/>
+              </a:rPr>
+              <a:t>Future Proof</a:t>
+            </a:r>
+          </a:p>
+        </p:txBody>
+      </p:sp>
+    </p:spTree>
+    <p:extLst>
+      <p:ext uri="{BB962C8B-B14F-4D97-AF65-F5344CB8AC3E}">
+        <p14:creationId xmlns:p14="http://schemas.microsoft.com/office/powerpoint/2010/main" val="2451054022"/>
       </p:ext>
     </p:extLst>
   </p:cSld>
